--- a/2.18 - 3.06/2.18_3.06_process.pptx
+++ b/2.18 - 3.06/2.18_3.06_process.pptx
@@ -7,14 +7,15 @@
     <p:sldMasterId id="2147483711" r:id="rId3"/>
   </p:sldMasterIdLst>
   <p:notesMasterIdLst>
-    <p:notesMasterId r:id="rId9"/>
+    <p:notesMasterId r:id="rId10"/>
   </p:notesMasterIdLst>
   <p:sldIdLst>
     <p:sldId id="270" r:id="rId4"/>
-    <p:sldId id="271" r:id="rId5"/>
+    <p:sldId id="275" r:id="rId5"/>
     <p:sldId id="272" r:id="rId6"/>
-    <p:sldId id="273" r:id="rId7"/>
-    <p:sldId id="274" r:id="rId8"/>
+    <p:sldId id="271" r:id="rId7"/>
+    <p:sldId id="273" r:id="rId8"/>
+    <p:sldId id="274" r:id="rId9"/>
   </p:sldIdLst>
   <p:sldSz cx="12192000" cy="6858000"/>
   <p:notesSz cx="6858000" cy="9144000"/>
@@ -16621,10 +16622,10 @@
       </p:grpSpPr>
       <p:sp>
         <p:nvSpPr>
-          <p:cNvPr id="2" name="Inhaltsplatzhalter 1">
+          <p:cNvPr id="2" name="内容占位符 1">
             <a:extLst>
               <a:ext uri="{FF2B5EF4-FFF2-40B4-BE49-F238E27FC236}">
-                <a16:creationId xmlns:a16="http://schemas.microsoft.com/office/drawing/2014/main" id="{A74B25C5-B6A4-E94E-A101-8E8D322AA3C8}"/>
+                <a16:creationId xmlns:a16="http://schemas.microsoft.com/office/drawing/2014/main" id="{10E58E81-D398-42FE-829E-5EBC81AB64BC}"/>
               </a:ext>
             </a:extLst>
           </p:cNvPr>
@@ -16635,119 +16636,42 @@
             <p:ph idx="1"/>
           </p:nvPr>
         </p:nvSpPr>
-        <p:spPr>
-          <a:xfrm>
-            <a:off x="223200" y="1259997"/>
-            <a:ext cx="11125200" cy="4486472"/>
-          </a:xfrm>
-        </p:spPr>
-        <p:txBody>
-          <a:bodyPr>
-            <a:normAutofit/>
-          </a:bodyPr>
+        <p:spPr/>
+        <p:txBody>
+          <a:bodyPr/>
           <a:lstStyle/>
           <a:p>
-            <a:pPr>
-              <a:spcBef>
-                <a:spcPts val="1200"/>
-              </a:spcBef>
-            </a:pPr>
-            <a:r>
-              <a:rPr lang="de-DE" sz="2400" dirty="0"/>
-              <a:t>Basierend auf CMOS-FF habe ich zusätzliche Signale und Schaltungen hinzufügt.</a:t>
-            </a:r>
-          </a:p>
-          <a:p>
-            <a:pPr>
-              <a:spcBef>
-                <a:spcPts val="1200"/>
-              </a:spcBef>
-            </a:pPr>
-            <a:r>
-              <a:rPr lang="de-DE" sz="2400" dirty="0"/>
-              <a:t>„</a:t>
-            </a:r>
-            <a:r>
-              <a:rPr lang="de-DE" sz="2400" dirty="0" err="1"/>
-              <a:t>write</a:t>
-            </a:r>
-            <a:r>
-              <a:rPr lang="de-DE" sz="2400" dirty="0"/>
-              <a:t>“ Signal kontrolliert den </a:t>
-            </a:r>
-            <a:r>
-              <a:rPr lang="de-DE" sz="2400" dirty="0" err="1"/>
-              <a:t>Speichernprocess</a:t>
-            </a:r>
-            <a:r>
-              <a:rPr lang="de-DE" sz="2400" dirty="0"/>
-              <a:t> im Non-volatile </a:t>
-            </a:r>
-            <a:r>
-              <a:rPr lang="de-DE" sz="2400" dirty="0" err="1"/>
-              <a:t>Komponent</a:t>
-            </a:r>
-            <a:endParaRPr lang="de-DE" sz="2400" dirty="0"/>
-          </a:p>
-          <a:p>
-            <a:pPr>
-              <a:spcBef>
-                <a:spcPts val="1200"/>
-              </a:spcBef>
-            </a:pPr>
-            <a:r>
-              <a:rPr lang="de-DE" sz="2400" dirty="0"/>
-              <a:t>„</a:t>
-            </a:r>
-            <a:r>
-              <a:rPr lang="de-DE" sz="2400" dirty="0" err="1"/>
-              <a:t>read</a:t>
-            </a:r>
-            <a:r>
-              <a:rPr lang="de-DE" sz="2400" dirty="0"/>
-              <a:t>“ Signal kontrolliert den </a:t>
-            </a:r>
-            <a:r>
-              <a:rPr lang="de-DE" sz="2400" dirty="0" err="1"/>
-              <a:t>Lesenprocess</a:t>
-            </a:r>
-            <a:r>
-              <a:rPr lang="de-DE" sz="2400" dirty="0"/>
-              <a:t> von Non-volatile </a:t>
-            </a:r>
-            <a:r>
-              <a:rPr lang="de-DE" sz="2400" dirty="0" err="1"/>
-              <a:t>Komponent</a:t>
-            </a:r>
-            <a:r>
-              <a:rPr lang="de-DE" sz="2400" dirty="0"/>
-              <a:t>. Es repräsentiert das „</a:t>
-            </a:r>
-            <a:r>
-              <a:rPr lang="de-DE" sz="2400" dirty="0" err="1"/>
-              <a:t>Enable</a:t>
-            </a:r>
-            <a:r>
-              <a:rPr lang="de-DE" sz="2400" dirty="0"/>
-              <a:t>“ Signal für den Back-up </a:t>
-            </a:r>
-            <a:r>
-              <a:rPr lang="de-DE" sz="2400" dirty="0" err="1"/>
-              <a:t>Process</a:t>
-            </a:r>
-            <a:r>
-              <a:rPr lang="de-DE" sz="2400" dirty="0"/>
-              <a:t>.</a:t>
-            </a:r>
-          </a:p>
-        </p:txBody>
-      </p:sp>
-      <p:sp>
-        <p:nvSpPr>
-          <p:cNvPr id="3" name="Datumsplatzhalter 2">
+            <a:r>
+              <a:rPr lang="de-DE" dirty="0"/>
+              <a:t>Module von Non-volatile-FF und Kontroller dafür erklären.</a:t>
+            </a:r>
+          </a:p>
+          <a:p>
+            <a:endParaRPr lang="de-DE" dirty="0"/>
+          </a:p>
+          <a:p>
+            <a:r>
+              <a:rPr lang="de-DE" dirty="0"/>
+              <a:t>Erstellte BLIF Datei von Non-volatile-FF </a:t>
+            </a:r>
+          </a:p>
+          <a:p>
+            <a:endParaRPr lang="de-DE" dirty="0"/>
+          </a:p>
+          <a:p>
+            <a:r>
+              <a:rPr lang="de-DE" dirty="0"/>
+              <a:t>Noch Fragen dafür</a:t>
+            </a:r>
+          </a:p>
+        </p:txBody>
+      </p:sp>
+      <p:sp>
+        <p:nvSpPr>
+          <p:cNvPr id="3" name="日期占位符 2">
             <a:extLst>
               <a:ext uri="{FF2B5EF4-FFF2-40B4-BE49-F238E27FC236}">
-                <a16:creationId xmlns:a16="http://schemas.microsoft.com/office/drawing/2014/main" id="{9A8DFA1D-1E67-ED4F-853D-A810F491A61D}"/>
+                <a16:creationId xmlns:a16="http://schemas.microsoft.com/office/drawing/2014/main" id="{12D5159A-4516-428F-A1B7-1EAF86BACC85}"/>
               </a:ext>
             </a:extLst>
           </p:cNvPr>
@@ -16763,20 +16687,20 @@
           <a:bodyPr/>
           <a:lstStyle/>
           <a:p>
-            <a:fld id="{D081D90B-27A7-49E8-9856-FB81265ECD30}" type="datetime4">
+            <a:fld id="{972A1FD8-603F-438E-AC40-DD7043440C8D}" type="datetime4">
               <a:rPr lang="en-US" noProof="0" smtClean="0"/>
               <a:t>March 6, 2022</a:t>
             </a:fld>
-            <a:endParaRPr lang="en-US" noProof="0"/>
-          </a:p>
-        </p:txBody>
-      </p:sp>
-      <p:sp>
-        <p:nvSpPr>
-          <p:cNvPr id="4" name="Foliennummernplatzhalter 3">
+            <a:endParaRPr lang="en-US" noProof="0" dirty="0"/>
+          </a:p>
+        </p:txBody>
+      </p:sp>
+      <p:sp>
+        <p:nvSpPr>
+          <p:cNvPr id="4" name="灯片编号占位符 3">
             <a:extLst>
               <a:ext uri="{FF2B5EF4-FFF2-40B4-BE49-F238E27FC236}">
-                <a16:creationId xmlns:a16="http://schemas.microsoft.com/office/drawing/2014/main" id="{83129646-DAB2-7B4D-8450-A969602B4375}"/>
+                <a16:creationId xmlns:a16="http://schemas.microsoft.com/office/drawing/2014/main" id="{17A7E223-3BD0-4A32-84BC-99B4CA7D1612}"/>
               </a:ext>
             </a:extLst>
           </p:cNvPr>
@@ -16802,10 +16726,10 @@
       </p:sp>
       <p:sp>
         <p:nvSpPr>
-          <p:cNvPr id="5" name="Titel 4">
+          <p:cNvPr id="5" name="标题 4">
             <a:extLst>
               <a:ext uri="{FF2B5EF4-FFF2-40B4-BE49-F238E27FC236}">
-                <a16:creationId xmlns:a16="http://schemas.microsoft.com/office/drawing/2014/main" id="{48E15B8B-7C43-A64A-B8B9-EB7D076B693C}"/>
+                <a16:creationId xmlns:a16="http://schemas.microsoft.com/office/drawing/2014/main" id="{6BE28EA5-31B8-4679-AFF3-D6C61561E27C}"/>
               </a:ext>
             </a:extLst>
           </p:cNvPr>
@@ -16816,644 +16740,14 @@
             <p:ph type="title"/>
           </p:nvPr>
         </p:nvSpPr>
-        <p:spPr>
-          <a:xfrm>
-            <a:off x="223200" y="185975"/>
-            <a:ext cx="9158904" cy="767748"/>
-          </a:xfrm>
-        </p:spPr>
+        <p:spPr/>
         <p:txBody>
           <a:bodyPr/>
           <a:lstStyle/>
           <a:p>
             <a:r>
               <a:rPr lang="de-DE" dirty="0"/>
-              <a:t>Non-volatile-FF</a:t>
-            </a:r>
-          </a:p>
-        </p:txBody>
-      </p:sp>
-      <p:sp>
-        <p:nvSpPr>
-          <p:cNvPr id="6" name="矩形 5">
-            <a:extLst>
-              <a:ext uri="{FF2B5EF4-FFF2-40B4-BE49-F238E27FC236}">
-                <a16:creationId xmlns:a16="http://schemas.microsoft.com/office/drawing/2014/main" id="{75B011EC-1DA4-49C3-9042-105CC17B2A1E}"/>
-              </a:ext>
-            </a:extLst>
-          </p:cNvPr>
-          <p:cNvSpPr/>
-          <p:nvPr/>
-        </p:nvSpPr>
-        <p:spPr>
-          <a:xfrm>
-            <a:off x="1228436" y="4230254"/>
-            <a:ext cx="1468582" cy="1902691"/>
-          </a:xfrm>
-          <a:prstGeom prst="rect">
-            <a:avLst/>
-          </a:prstGeom>
-        </p:spPr>
-        <p:style>
-          <a:lnRef idx="2">
-            <a:schemeClr val="dk1"/>
-          </a:lnRef>
-          <a:fillRef idx="1">
-            <a:schemeClr val="lt1"/>
-          </a:fillRef>
-          <a:effectRef idx="0">
-            <a:schemeClr val="dk1"/>
-          </a:effectRef>
-          <a:fontRef idx="minor">
-            <a:schemeClr val="dk1"/>
-          </a:fontRef>
-        </p:style>
-        <p:txBody>
-          <a:bodyPr rtlCol="0" anchor="ctr"/>
-          <a:lstStyle/>
-          <a:p>
-            <a:pPr algn="ctr"/>
-            <a:r>
-              <a:rPr lang="de-DE" dirty="0"/>
-              <a:t>Non-volatile-FF</a:t>
-            </a:r>
-          </a:p>
-        </p:txBody>
-      </p:sp>
-      <p:cxnSp>
-        <p:nvCxnSpPr>
-          <p:cNvPr id="10" name="直接箭头连接符 9">
-            <a:extLst>
-              <a:ext uri="{FF2B5EF4-FFF2-40B4-BE49-F238E27FC236}">
-                <a16:creationId xmlns:a16="http://schemas.microsoft.com/office/drawing/2014/main" id="{AA9C0279-957F-49B2-B43F-EB4D792C8B8E}"/>
-              </a:ext>
-            </a:extLst>
-          </p:cNvPr>
-          <p:cNvCxnSpPr/>
-          <p:nvPr/>
-        </p:nvCxnSpPr>
-        <p:spPr>
-          <a:xfrm>
-            <a:off x="510720" y="4535054"/>
-            <a:ext cx="717716" cy="0"/>
-          </a:xfrm>
-          <a:prstGeom prst="straightConnector1">
-            <a:avLst/>
-          </a:prstGeom>
-          <a:ln>
-            <a:solidFill>
-              <a:schemeClr val="tx1"/>
-            </a:solidFill>
-            <a:tailEnd type="triangle"/>
-          </a:ln>
-        </p:spPr>
-        <p:style>
-          <a:lnRef idx="1">
-            <a:schemeClr val="accent1"/>
-          </a:lnRef>
-          <a:fillRef idx="0">
-            <a:schemeClr val="accent1"/>
-          </a:fillRef>
-          <a:effectRef idx="0">
-            <a:schemeClr val="accent1"/>
-          </a:effectRef>
-          <a:fontRef idx="minor">
-            <a:schemeClr val="tx1"/>
-          </a:fontRef>
-        </p:style>
-      </p:cxnSp>
-      <p:cxnSp>
-        <p:nvCxnSpPr>
-          <p:cNvPr id="11" name="直接箭头连接符 10">
-            <a:extLst>
-              <a:ext uri="{FF2B5EF4-FFF2-40B4-BE49-F238E27FC236}">
-                <a16:creationId xmlns:a16="http://schemas.microsoft.com/office/drawing/2014/main" id="{F7869044-EA89-4477-9C60-7CE53F1A314E}"/>
-              </a:ext>
-            </a:extLst>
-          </p:cNvPr>
-          <p:cNvCxnSpPr/>
-          <p:nvPr/>
-        </p:nvCxnSpPr>
-        <p:spPr>
-          <a:xfrm>
-            <a:off x="510720" y="5036126"/>
-            <a:ext cx="717716" cy="0"/>
-          </a:xfrm>
-          <a:prstGeom prst="straightConnector1">
-            <a:avLst/>
-          </a:prstGeom>
-          <a:ln>
-            <a:solidFill>
-              <a:schemeClr val="tx1"/>
-            </a:solidFill>
-            <a:tailEnd type="triangle"/>
-          </a:ln>
-        </p:spPr>
-        <p:style>
-          <a:lnRef idx="1">
-            <a:schemeClr val="accent1"/>
-          </a:lnRef>
-          <a:fillRef idx="0">
-            <a:schemeClr val="accent1"/>
-          </a:fillRef>
-          <a:effectRef idx="0">
-            <a:schemeClr val="accent1"/>
-          </a:effectRef>
-          <a:fontRef idx="minor">
-            <a:schemeClr val="tx1"/>
-          </a:fontRef>
-        </p:style>
-      </p:cxnSp>
-      <p:cxnSp>
-        <p:nvCxnSpPr>
-          <p:cNvPr id="12" name="直接箭头连接符 11">
-            <a:extLst>
-              <a:ext uri="{FF2B5EF4-FFF2-40B4-BE49-F238E27FC236}">
-                <a16:creationId xmlns:a16="http://schemas.microsoft.com/office/drawing/2014/main" id="{26B2802E-0FC9-4E7C-927A-6AB76DBCDE8F}"/>
-              </a:ext>
-            </a:extLst>
-          </p:cNvPr>
-          <p:cNvCxnSpPr/>
-          <p:nvPr/>
-        </p:nvCxnSpPr>
-        <p:spPr>
-          <a:xfrm>
-            <a:off x="510720" y="5527963"/>
-            <a:ext cx="717716" cy="0"/>
-          </a:xfrm>
-          <a:prstGeom prst="straightConnector1">
-            <a:avLst/>
-          </a:prstGeom>
-          <a:ln>
-            <a:solidFill>
-              <a:schemeClr val="tx1"/>
-            </a:solidFill>
-            <a:tailEnd type="triangle"/>
-          </a:ln>
-        </p:spPr>
-        <p:style>
-          <a:lnRef idx="1">
-            <a:schemeClr val="accent1"/>
-          </a:lnRef>
-          <a:fillRef idx="0">
-            <a:schemeClr val="accent1"/>
-          </a:fillRef>
-          <a:effectRef idx="0">
-            <a:schemeClr val="accent1"/>
-          </a:effectRef>
-          <a:fontRef idx="minor">
-            <a:schemeClr val="tx1"/>
-          </a:fontRef>
-        </p:style>
-      </p:cxnSp>
-      <p:sp>
-        <p:nvSpPr>
-          <p:cNvPr id="14" name="矩形 13">
-            <a:extLst>
-              <a:ext uri="{FF2B5EF4-FFF2-40B4-BE49-F238E27FC236}">
-                <a16:creationId xmlns:a16="http://schemas.microsoft.com/office/drawing/2014/main" id="{A0CDA552-C3C6-4FB2-A643-BF2997FA485A}"/>
-              </a:ext>
-            </a:extLst>
-          </p:cNvPr>
-          <p:cNvSpPr/>
-          <p:nvPr/>
-        </p:nvSpPr>
-        <p:spPr>
-          <a:xfrm>
-            <a:off x="474723" y="4204117"/>
-            <a:ext cx="789710" cy="263237"/>
-          </a:xfrm>
-          <a:prstGeom prst="rect">
-            <a:avLst/>
-          </a:prstGeom>
-          <a:noFill/>
-          <a:ln>
-            <a:solidFill>
-              <a:schemeClr val="bg1"/>
-            </a:solidFill>
-          </a:ln>
-        </p:spPr>
-        <p:style>
-          <a:lnRef idx="2">
-            <a:schemeClr val="dk1"/>
-          </a:lnRef>
-          <a:fillRef idx="1">
-            <a:schemeClr val="lt1"/>
-          </a:fillRef>
-          <a:effectRef idx="0">
-            <a:schemeClr val="dk1"/>
-          </a:effectRef>
-          <a:fontRef idx="minor">
-            <a:schemeClr val="dk1"/>
-          </a:fontRef>
-        </p:style>
-        <p:txBody>
-          <a:bodyPr rtlCol="0" anchor="ctr"/>
-          <a:lstStyle/>
-          <a:p>
-            <a:pPr algn="ctr"/>
-            <a:r>
-              <a:rPr lang="de-DE" sz="1400" dirty="0" err="1"/>
-              <a:t>clk</a:t>
-            </a:r>
-            <a:endParaRPr lang="de-DE" sz="1400" dirty="0"/>
-          </a:p>
-        </p:txBody>
-      </p:sp>
-      <p:sp>
-        <p:nvSpPr>
-          <p:cNvPr id="15" name="矩形 14">
-            <a:extLst>
-              <a:ext uri="{FF2B5EF4-FFF2-40B4-BE49-F238E27FC236}">
-                <a16:creationId xmlns:a16="http://schemas.microsoft.com/office/drawing/2014/main" id="{21418D89-4378-4547-B7C6-89EF91E8CCC6}"/>
-              </a:ext>
-            </a:extLst>
-          </p:cNvPr>
-          <p:cNvSpPr/>
-          <p:nvPr/>
-        </p:nvSpPr>
-        <p:spPr>
-          <a:xfrm>
-            <a:off x="474723" y="4678217"/>
-            <a:ext cx="789710" cy="263237"/>
-          </a:xfrm>
-          <a:prstGeom prst="rect">
-            <a:avLst/>
-          </a:prstGeom>
-          <a:noFill/>
-          <a:ln>
-            <a:solidFill>
-              <a:schemeClr val="bg1"/>
-            </a:solidFill>
-          </a:ln>
-        </p:spPr>
-        <p:style>
-          <a:lnRef idx="2">
-            <a:schemeClr val="dk1"/>
-          </a:lnRef>
-          <a:fillRef idx="1">
-            <a:schemeClr val="lt1"/>
-          </a:fillRef>
-          <a:effectRef idx="0">
-            <a:schemeClr val="dk1"/>
-          </a:effectRef>
-          <a:fontRef idx="minor">
-            <a:schemeClr val="dk1"/>
-          </a:fontRef>
-        </p:style>
-        <p:txBody>
-          <a:bodyPr rtlCol="0" anchor="ctr"/>
-          <a:lstStyle/>
-          <a:p>
-            <a:pPr algn="ctr"/>
-            <a:r>
-              <a:rPr lang="de-DE" sz="1400" dirty="0" err="1"/>
-              <a:t>rst</a:t>
-            </a:r>
-            <a:endParaRPr lang="de-DE" sz="1400" dirty="0"/>
-          </a:p>
-        </p:txBody>
-      </p:sp>
-      <p:sp>
-        <p:nvSpPr>
-          <p:cNvPr id="16" name="矩形 15">
-            <a:extLst>
-              <a:ext uri="{FF2B5EF4-FFF2-40B4-BE49-F238E27FC236}">
-                <a16:creationId xmlns:a16="http://schemas.microsoft.com/office/drawing/2014/main" id="{1F15CEAC-3F36-416D-B861-EAF4A5F6AABE}"/>
-              </a:ext>
-            </a:extLst>
-          </p:cNvPr>
-          <p:cNvSpPr/>
-          <p:nvPr/>
-        </p:nvSpPr>
-        <p:spPr>
-          <a:xfrm>
-            <a:off x="474723" y="5136891"/>
-            <a:ext cx="789710" cy="263237"/>
-          </a:xfrm>
-          <a:prstGeom prst="rect">
-            <a:avLst/>
-          </a:prstGeom>
-          <a:noFill/>
-          <a:ln>
-            <a:solidFill>
-              <a:schemeClr val="bg1"/>
-            </a:solidFill>
-          </a:ln>
-        </p:spPr>
-        <p:style>
-          <a:lnRef idx="2">
-            <a:schemeClr val="dk1"/>
-          </a:lnRef>
-          <a:fillRef idx="1">
-            <a:schemeClr val="lt1"/>
-          </a:fillRef>
-          <a:effectRef idx="0">
-            <a:schemeClr val="dk1"/>
-          </a:effectRef>
-          <a:fontRef idx="minor">
-            <a:schemeClr val="dk1"/>
-          </a:fontRef>
-        </p:style>
-        <p:txBody>
-          <a:bodyPr rtlCol="0" anchor="ctr"/>
-          <a:lstStyle/>
-          <a:p>
-            <a:pPr algn="ctr"/>
-            <a:r>
-              <a:rPr lang="de-DE" sz="1400" dirty="0"/>
-              <a:t>d</a:t>
-            </a:r>
-          </a:p>
-        </p:txBody>
-      </p:sp>
-      <p:cxnSp>
-        <p:nvCxnSpPr>
-          <p:cNvPr id="17" name="直接箭头连接符 16">
-            <a:extLst>
-              <a:ext uri="{FF2B5EF4-FFF2-40B4-BE49-F238E27FC236}">
-                <a16:creationId xmlns:a16="http://schemas.microsoft.com/office/drawing/2014/main" id="{9263F53E-BC70-4CA0-9132-4B5C790AE58B}"/>
-              </a:ext>
-            </a:extLst>
-          </p:cNvPr>
-          <p:cNvCxnSpPr>
-            <a:cxnSpLocks/>
-          </p:cNvCxnSpPr>
-          <p:nvPr/>
-        </p:nvCxnSpPr>
-        <p:spPr>
-          <a:xfrm>
-            <a:off x="1599361" y="3916217"/>
-            <a:ext cx="0" cy="314037"/>
-          </a:xfrm>
-          <a:prstGeom prst="straightConnector1">
-            <a:avLst/>
-          </a:prstGeom>
-          <a:ln>
-            <a:solidFill>
-              <a:schemeClr val="tx1"/>
-            </a:solidFill>
-            <a:tailEnd type="triangle"/>
-          </a:ln>
-        </p:spPr>
-        <p:style>
-          <a:lnRef idx="1">
-            <a:schemeClr val="accent1"/>
-          </a:lnRef>
-          <a:fillRef idx="0">
-            <a:schemeClr val="accent1"/>
-          </a:fillRef>
-          <a:effectRef idx="0">
-            <a:schemeClr val="accent1"/>
-          </a:effectRef>
-          <a:fontRef idx="minor">
-            <a:schemeClr val="tx1"/>
-          </a:fontRef>
-        </p:style>
-      </p:cxnSp>
-      <p:cxnSp>
-        <p:nvCxnSpPr>
-          <p:cNvPr id="19" name="直接箭头连接符 18">
-            <a:extLst>
-              <a:ext uri="{FF2B5EF4-FFF2-40B4-BE49-F238E27FC236}">
-                <a16:creationId xmlns:a16="http://schemas.microsoft.com/office/drawing/2014/main" id="{30AB5CE2-304F-4DC4-AD6A-BD0086D89860}"/>
-              </a:ext>
-            </a:extLst>
-          </p:cNvPr>
-          <p:cNvCxnSpPr>
-            <a:cxnSpLocks/>
-          </p:cNvCxnSpPr>
-          <p:nvPr/>
-        </p:nvCxnSpPr>
-        <p:spPr>
-          <a:xfrm>
-            <a:off x="2200564" y="3916217"/>
-            <a:ext cx="0" cy="314037"/>
-          </a:xfrm>
-          <a:prstGeom prst="straightConnector1">
-            <a:avLst/>
-          </a:prstGeom>
-          <a:ln>
-            <a:solidFill>
-              <a:schemeClr val="tx1"/>
-            </a:solidFill>
-            <a:tailEnd type="triangle"/>
-          </a:ln>
-        </p:spPr>
-        <p:style>
-          <a:lnRef idx="1">
-            <a:schemeClr val="accent1"/>
-          </a:lnRef>
-          <a:fillRef idx="0">
-            <a:schemeClr val="accent1"/>
-          </a:fillRef>
-          <a:effectRef idx="0">
-            <a:schemeClr val="accent1"/>
-          </a:effectRef>
-          <a:fontRef idx="minor">
-            <a:schemeClr val="tx1"/>
-          </a:fontRef>
-        </p:style>
-      </p:cxnSp>
-      <p:sp>
-        <p:nvSpPr>
-          <p:cNvPr id="20" name="矩形 19">
-            <a:extLst>
-              <a:ext uri="{FF2B5EF4-FFF2-40B4-BE49-F238E27FC236}">
-                <a16:creationId xmlns:a16="http://schemas.microsoft.com/office/drawing/2014/main" id="{31B94692-400D-46CE-9AE3-0320AD46CF71}"/>
-              </a:ext>
-            </a:extLst>
-          </p:cNvPr>
-          <p:cNvSpPr/>
-          <p:nvPr/>
-        </p:nvSpPr>
-        <p:spPr>
-          <a:xfrm>
-            <a:off x="1204506" y="3642270"/>
-            <a:ext cx="789710" cy="263237"/>
-          </a:xfrm>
-          <a:prstGeom prst="rect">
-            <a:avLst/>
-          </a:prstGeom>
-          <a:noFill/>
-          <a:ln>
-            <a:solidFill>
-              <a:schemeClr val="bg1"/>
-            </a:solidFill>
-          </a:ln>
-        </p:spPr>
-        <p:style>
-          <a:lnRef idx="2">
-            <a:schemeClr val="dk1"/>
-          </a:lnRef>
-          <a:fillRef idx="1">
-            <a:schemeClr val="lt1"/>
-          </a:fillRef>
-          <a:effectRef idx="0">
-            <a:schemeClr val="dk1"/>
-          </a:effectRef>
-          <a:fontRef idx="minor">
-            <a:schemeClr val="dk1"/>
-          </a:fontRef>
-        </p:style>
-        <p:txBody>
-          <a:bodyPr rtlCol="0" anchor="ctr"/>
-          <a:lstStyle/>
-          <a:p>
-            <a:pPr algn="ctr"/>
-            <a:r>
-              <a:rPr lang="de-DE" sz="1400" dirty="0" err="1"/>
-              <a:t>write</a:t>
-            </a:r>
-            <a:endParaRPr lang="de-DE" sz="1400" dirty="0"/>
-          </a:p>
-        </p:txBody>
-      </p:sp>
-      <p:sp>
-        <p:nvSpPr>
-          <p:cNvPr id="21" name="矩形 20">
-            <a:extLst>
-              <a:ext uri="{FF2B5EF4-FFF2-40B4-BE49-F238E27FC236}">
-                <a16:creationId xmlns:a16="http://schemas.microsoft.com/office/drawing/2014/main" id="{8B732238-3B84-4BD3-A76E-703A463875F0}"/>
-              </a:ext>
-            </a:extLst>
-          </p:cNvPr>
-          <p:cNvSpPr/>
-          <p:nvPr/>
-        </p:nvSpPr>
-        <p:spPr>
-          <a:xfrm>
-            <a:off x="1805709" y="3652980"/>
-            <a:ext cx="789710" cy="263237"/>
-          </a:xfrm>
-          <a:prstGeom prst="rect">
-            <a:avLst/>
-          </a:prstGeom>
-          <a:noFill/>
-          <a:ln>
-            <a:solidFill>
-              <a:schemeClr val="bg1"/>
-            </a:solidFill>
-          </a:ln>
-        </p:spPr>
-        <p:style>
-          <a:lnRef idx="2">
-            <a:schemeClr val="dk1"/>
-          </a:lnRef>
-          <a:fillRef idx="1">
-            <a:schemeClr val="lt1"/>
-          </a:fillRef>
-          <a:effectRef idx="0">
-            <a:schemeClr val="dk1"/>
-          </a:effectRef>
-          <a:fontRef idx="minor">
-            <a:schemeClr val="dk1"/>
-          </a:fontRef>
-        </p:style>
-        <p:txBody>
-          <a:bodyPr rtlCol="0" anchor="ctr"/>
-          <a:lstStyle/>
-          <a:p>
-            <a:pPr algn="ctr"/>
-            <a:r>
-              <a:rPr lang="de-DE" sz="1400" dirty="0" err="1"/>
-              <a:t>read</a:t>
-            </a:r>
-            <a:endParaRPr lang="de-DE" sz="1400" dirty="0"/>
-          </a:p>
-        </p:txBody>
-      </p:sp>
-      <p:cxnSp>
-        <p:nvCxnSpPr>
-          <p:cNvPr id="22" name="直接箭头连接符 21">
-            <a:extLst>
-              <a:ext uri="{FF2B5EF4-FFF2-40B4-BE49-F238E27FC236}">
-                <a16:creationId xmlns:a16="http://schemas.microsoft.com/office/drawing/2014/main" id="{E75791F2-D5FD-4739-977B-E3C5155A6490}"/>
-              </a:ext>
-            </a:extLst>
-          </p:cNvPr>
-          <p:cNvCxnSpPr/>
-          <p:nvPr/>
-        </p:nvCxnSpPr>
-        <p:spPr>
-          <a:xfrm>
-            <a:off x="2697018" y="5036126"/>
-            <a:ext cx="717716" cy="0"/>
-          </a:xfrm>
-          <a:prstGeom prst="straightConnector1">
-            <a:avLst/>
-          </a:prstGeom>
-          <a:ln>
-            <a:solidFill>
-              <a:schemeClr val="tx1"/>
-            </a:solidFill>
-            <a:tailEnd type="triangle"/>
-          </a:ln>
-        </p:spPr>
-        <p:style>
-          <a:lnRef idx="1">
-            <a:schemeClr val="accent1"/>
-          </a:lnRef>
-          <a:fillRef idx="0">
-            <a:schemeClr val="accent1"/>
-          </a:fillRef>
-          <a:effectRef idx="0">
-            <a:schemeClr val="accent1"/>
-          </a:effectRef>
-          <a:fontRef idx="minor">
-            <a:schemeClr val="tx1"/>
-          </a:fontRef>
-        </p:style>
-      </p:cxnSp>
-      <p:sp>
-        <p:nvSpPr>
-          <p:cNvPr id="23" name="矩形 22">
-            <a:extLst>
-              <a:ext uri="{FF2B5EF4-FFF2-40B4-BE49-F238E27FC236}">
-                <a16:creationId xmlns:a16="http://schemas.microsoft.com/office/drawing/2014/main" id="{3513C92C-D135-4EB1-AFC7-372C7A6E4EFA}"/>
-              </a:ext>
-            </a:extLst>
-          </p:cNvPr>
-          <p:cNvSpPr/>
-          <p:nvPr/>
-        </p:nvSpPr>
-        <p:spPr>
-          <a:xfrm>
-            <a:off x="2661021" y="4694381"/>
-            <a:ext cx="789710" cy="263237"/>
-          </a:xfrm>
-          <a:prstGeom prst="rect">
-            <a:avLst/>
-          </a:prstGeom>
-          <a:noFill/>
-          <a:ln>
-            <a:solidFill>
-              <a:schemeClr val="bg1"/>
-            </a:solidFill>
-          </a:ln>
-        </p:spPr>
-        <p:style>
-          <a:lnRef idx="2">
-            <a:schemeClr val="dk1"/>
-          </a:lnRef>
-          <a:fillRef idx="1">
-            <a:schemeClr val="lt1"/>
-          </a:fillRef>
-          <a:effectRef idx="0">
-            <a:schemeClr val="dk1"/>
-          </a:effectRef>
-          <a:fontRef idx="minor">
-            <a:schemeClr val="dk1"/>
-          </a:fontRef>
-        </p:style>
-        <p:txBody>
-          <a:bodyPr rtlCol="0" anchor="ctr"/>
-          <a:lstStyle/>
-          <a:p>
-            <a:pPr algn="ctr"/>
-            <a:r>
-              <a:rPr lang="de-DE" sz="1400" dirty="0"/>
-              <a:t>q</a:t>
+              <a:t>Einleitung	</a:t>
             </a:r>
           </a:p>
         </p:txBody>
@@ -17461,7 +16755,7 @@
     </p:spTree>
     <p:extLst>
       <p:ext uri="{BB962C8B-B14F-4D97-AF65-F5344CB8AC3E}">
-        <p14:creationId xmlns:p14="http://schemas.microsoft.com/office/powerpoint/2010/main" val="67989011"/>
+        <p14:creationId xmlns:p14="http://schemas.microsoft.com/office/powerpoint/2010/main" val="1449483035"/>
       </p:ext>
     </p:extLst>
   </p:cSld>
@@ -17516,7 +16810,7 @@
             </a:pPr>
             <a:r>
               <a:rPr lang="de-DE" dirty="0"/>
-              <a:t>Bei jeden 400 Taktzyklen wird einen „</a:t>
+              <a:t>Das Modul generiert „</a:t>
             </a:r>
             <a:r>
               <a:rPr lang="de-DE" dirty="0" err="1"/>
@@ -17524,7 +16818,15 @@
             </a:r>
             <a:r>
               <a:rPr lang="de-DE" dirty="0"/>
-              <a:t>“ Impuls generiert, um den Zustand vom Prozessor im MTJ Register zu speichern.</a:t>
+              <a:t>“ und „</a:t>
+            </a:r>
+            <a:r>
+              <a:rPr lang="de-DE" dirty="0" err="1"/>
+              <a:t>read</a:t>
+            </a:r>
+            <a:r>
+              <a:rPr lang="de-DE" dirty="0"/>
+              <a:t>“ Signale für Non-volatile-FF.</a:t>
             </a:r>
           </a:p>
           <a:p>
@@ -17535,15 +16837,15 @@
             </a:pPr>
             <a:r>
               <a:rPr lang="de-DE" dirty="0"/>
-              <a:t>Bei jeden 500 Taktzyklen wird einen „</a:t>
+              <a:t>Bei jeden 400 Taktzyklen wird einen „</a:t>
             </a:r>
             <a:r>
               <a:rPr lang="de-DE" dirty="0" err="1"/>
-              <a:t>read</a:t>
+              <a:t>write</a:t>
             </a:r>
             <a:r>
               <a:rPr lang="de-DE" dirty="0"/>
-              <a:t>“ Impuls generiert, um den gespeicherte Zustand im MTJ Register auszulesen.</a:t>
+              <a:t>“ Impuls generiert, um den Zustand vom Prozessor im MTJ Register zu speichern.</a:t>
             </a:r>
           </a:p>
           <a:p>
@@ -17554,17 +16856,16 @@
             </a:pPr>
             <a:r>
               <a:rPr lang="de-DE" dirty="0"/>
-              <a:t>Folgendes Bild zeigt das Simulationsergebnis</a:t>
-            </a:r>
-          </a:p>
-          <a:p>
-            <a:pPr marL="0" indent="0">
-              <a:spcBef>
-                <a:spcPts val="1200"/>
-              </a:spcBef>
-              <a:buNone/>
-            </a:pPr>
-            <a:endParaRPr lang="de-DE" dirty="0"/>
+              <a:t>Bei jeden 500 Taktzyklen wird einen „</a:t>
+            </a:r>
+            <a:r>
+              <a:rPr lang="de-DE" dirty="0" err="1"/>
+              <a:t>read</a:t>
+            </a:r>
+            <a:r>
+              <a:rPr lang="de-DE" dirty="0"/>
+              <a:t>“ Impuls generiert, um den gespeicherte Zustand im MTJ Register auszulesen.</a:t>
+            </a:r>
           </a:p>
           <a:p>
             <a:pPr>
@@ -17663,41 +16964,437 @@
           </a:p>
         </p:txBody>
       </p:sp>
-      <p:pic>
-        <p:nvPicPr>
-          <p:cNvPr id="7" name="图片 6" descr="电脑萤幕的截图&#10;&#10;描述已自动生成">
+      <p:sp>
+        <p:nvSpPr>
+          <p:cNvPr id="8" name="矩形 7">
             <a:extLst>
               <a:ext uri="{FF2B5EF4-FFF2-40B4-BE49-F238E27FC236}">
-                <a16:creationId xmlns:a16="http://schemas.microsoft.com/office/drawing/2014/main" id="{C5F1040F-E03E-44B0-8742-23C1559C6681}"/>
+                <a16:creationId xmlns:a16="http://schemas.microsoft.com/office/drawing/2014/main" id="{427CABF2-F984-4598-BE3F-BA4A8855A481}"/>
               </a:ext>
             </a:extLst>
           </p:cNvPr>
-          <p:cNvPicPr>
-            <a:picLocks noChangeAspect="1"/>
-          </p:cNvPicPr>
+          <p:cNvSpPr/>
           <p:nvPr/>
-        </p:nvPicPr>
-        <p:blipFill rotWithShape="1">
-          <a:blip r:embed="rId2">
+        </p:nvSpPr>
+        <p:spPr>
+          <a:xfrm>
+            <a:off x="1228436" y="4230254"/>
+            <a:ext cx="1468582" cy="1902691"/>
+          </a:xfrm>
+          <a:prstGeom prst="rect">
+            <a:avLst/>
+          </a:prstGeom>
+        </p:spPr>
+        <p:style>
+          <a:lnRef idx="2">
+            <a:schemeClr val="dk1"/>
+          </a:lnRef>
+          <a:fillRef idx="1">
+            <a:schemeClr val="lt1"/>
+          </a:fillRef>
+          <a:effectRef idx="0">
+            <a:schemeClr val="dk1"/>
+          </a:effectRef>
+          <a:fontRef idx="minor">
+            <a:schemeClr val="dk1"/>
+          </a:fontRef>
+        </p:style>
+        <p:txBody>
+          <a:bodyPr rtlCol="0" anchor="ctr"/>
+          <a:lstStyle/>
+          <a:p>
+            <a:pPr algn="ctr"/>
+            <a:r>
+              <a:rPr lang="de-DE" sz="2000" dirty="0"/>
+              <a:t>Kontroller</a:t>
+            </a:r>
+          </a:p>
+        </p:txBody>
+      </p:sp>
+      <p:cxnSp>
+        <p:nvCxnSpPr>
+          <p:cNvPr id="9" name="直接箭头连接符 8">
             <a:extLst>
-              <a:ext uri="{28A0092B-C50C-407E-A947-70E740481C1C}">
-                <a14:useLocalDpi xmlns:a14="http://schemas.microsoft.com/office/drawing/2010/main" val="0"/>
+              <a:ext uri="{FF2B5EF4-FFF2-40B4-BE49-F238E27FC236}">
+                <a16:creationId xmlns:a16="http://schemas.microsoft.com/office/drawing/2014/main" id="{CA4D226B-6AB4-4419-AF1C-C3F161F6755F}"/>
               </a:ext>
             </a:extLst>
-          </a:blip>
-          <a:srcRect l="12935" t="19201" b="65887"/>
-          <a:stretch/>
-        </p:blipFill>
-        <p:spPr>
-          <a:xfrm>
-            <a:off x="99149" y="4287389"/>
-            <a:ext cx="11993701" cy="1332938"/>
-          </a:xfrm>
-          <a:prstGeom prst="rect">
-            <a:avLst/>
-          </a:prstGeom>
-        </p:spPr>
-      </p:pic>
+          </p:cNvPr>
+          <p:cNvCxnSpPr/>
+          <p:nvPr/>
+        </p:nvCxnSpPr>
+        <p:spPr>
+          <a:xfrm>
+            <a:off x="510720" y="4825999"/>
+            <a:ext cx="717716" cy="0"/>
+          </a:xfrm>
+          <a:prstGeom prst="straightConnector1">
+            <a:avLst/>
+          </a:prstGeom>
+          <a:ln>
+            <a:solidFill>
+              <a:schemeClr val="tx1"/>
+            </a:solidFill>
+            <a:tailEnd type="triangle"/>
+          </a:ln>
+        </p:spPr>
+        <p:style>
+          <a:lnRef idx="1">
+            <a:schemeClr val="accent1"/>
+          </a:lnRef>
+          <a:fillRef idx="0">
+            <a:schemeClr val="accent1"/>
+          </a:fillRef>
+          <a:effectRef idx="0">
+            <a:schemeClr val="accent1"/>
+          </a:effectRef>
+          <a:fontRef idx="minor">
+            <a:schemeClr val="tx1"/>
+          </a:fontRef>
+        </p:style>
+      </p:cxnSp>
+      <p:cxnSp>
+        <p:nvCxnSpPr>
+          <p:cNvPr id="10" name="直接箭头连接符 9">
+            <a:extLst>
+              <a:ext uri="{FF2B5EF4-FFF2-40B4-BE49-F238E27FC236}">
+                <a16:creationId xmlns:a16="http://schemas.microsoft.com/office/drawing/2014/main" id="{573160B6-4486-420F-BC3D-7760EB50B685}"/>
+              </a:ext>
+            </a:extLst>
+          </p:cNvPr>
+          <p:cNvCxnSpPr/>
+          <p:nvPr/>
+        </p:nvCxnSpPr>
+        <p:spPr>
+          <a:xfrm>
+            <a:off x="505578" y="5627254"/>
+            <a:ext cx="717716" cy="0"/>
+          </a:xfrm>
+          <a:prstGeom prst="straightConnector1">
+            <a:avLst/>
+          </a:prstGeom>
+          <a:ln>
+            <a:solidFill>
+              <a:schemeClr val="tx1"/>
+            </a:solidFill>
+            <a:tailEnd type="triangle"/>
+          </a:ln>
+        </p:spPr>
+        <p:style>
+          <a:lnRef idx="1">
+            <a:schemeClr val="accent1"/>
+          </a:lnRef>
+          <a:fillRef idx="0">
+            <a:schemeClr val="accent1"/>
+          </a:fillRef>
+          <a:effectRef idx="0">
+            <a:schemeClr val="accent1"/>
+          </a:effectRef>
+          <a:fontRef idx="minor">
+            <a:schemeClr val="tx1"/>
+          </a:fontRef>
+        </p:style>
+      </p:cxnSp>
+      <p:sp>
+        <p:nvSpPr>
+          <p:cNvPr id="12" name="矩形 11">
+            <a:extLst>
+              <a:ext uri="{FF2B5EF4-FFF2-40B4-BE49-F238E27FC236}">
+                <a16:creationId xmlns:a16="http://schemas.microsoft.com/office/drawing/2014/main" id="{DB6FCFEE-4200-4527-B408-4D45B8B4A24F}"/>
+              </a:ext>
+            </a:extLst>
+          </p:cNvPr>
+          <p:cNvSpPr/>
+          <p:nvPr/>
+        </p:nvSpPr>
+        <p:spPr>
+          <a:xfrm>
+            <a:off x="486063" y="4442334"/>
+            <a:ext cx="789710" cy="263237"/>
+          </a:xfrm>
+          <a:prstGeom prst="rect">
+            <a:avLst/>
+          </a:prstGeom>
+          <a:noFill/>
+          <a:ln>
+            <a:solidFill>
+              <a:schemeClr val="bg1"/>
+            </a:solidFill>
+          </a:ln>
+        </p:spPr>
+        <p:style>
+          <a:lnRef idx="2">
+            <a:schemeClr val="dk1"/>
+          </a:lnRef>
+          <a:fillRef idx="1">
+            <a:schemeClr val="lt1"/>
+          </a:fillRef>
+          <a:effectRef idx="0">
+            <a:schemeClr val="dk1"/>
+          </a:effectRef>
+          <a:fontRef idx="minor">
+            <a:schemeClr val="dk1"/>
+          </a:fontRef>
+        </p:style>
+        <p:txBody>
+          <a:bodyPr rtlCol="0" anchor="ctr"/>
+          <a:lstStyle/>
+          <a:p>
+            <a:pPr algn="ctr"/>
+            <a:r>
+              <a:rPr lang="de-DE" sz="1400" dirty="0" err="1"/>
+              <a:t>clk</a:t>
+            </a:r>
+            <a:endParaRPr lang="de-DE" sz="1400" dirty="0"/>
+          </a:p>
+        </p:txBody>
+      </p:sp>
+      <p:sp>
+        <p:nvSpPr>
+          <p:cNvPr id="13" name="矩形 12">
+            <a:extLst>
+              <a:ext uri="{FF2B5EF4-FFF2-40B4-BE49-F238E27FC236}">
+                <a16:creationId xmlns:a16="http://schemas.microsoft.com/office/drawing/2014/main" id="{6E8AAF30-439C-440E-8335-54F9F04C9112}"/>
+              </a:ext>
+            </a:extLst>
+          </p:cNvPr>
+          <p:cNvSpPr/>
+          <p:nvPr/>
+        </p:nvSpPr>
+        <p:spPr>
+          <a:xfrm>
+            <a:off x="486063" y="5261571"/>
+            <a:ext cx="789710" cy="263237"/>
+          </a:xfrm>
+          <a:prstGeom prst="rect">
+            <a:avLst/>
+          </a:prstGeom>
+          <a:noFill/>
+          <a:ln>
+            <a:solidFill>
+              <a:schemeClr val="bg1"/>
+            </a:solidFill>
+          </a:ln>
+        </p:spPr>
+        <p:style>
+          <a:lnRef idx="2">
+            <a:schemeClr val="dk1"/>
+          </a:lnRef>
+          <a:fillRef idx="1">
+            <a:schemeClr val="lt1"/>
+          </a:fillRef>
+          <a:effectRef idx="0">
+            <a:schemeClr val="dk1"/>
+          </a:effectRef>
+          <a:fontRef idx="minor">
+            <a:schemeClr val="dk1"/>
+          </a:fontRef>
+        </p:style>
+        <p:txBody>
+          <a:bodyPr rtlCol="0" anchor="ctr"/>
+          <a:lstStyle/>
+          <a:p>
+            <a:pPr algn="ctr"/>
+            <a:r>
+              <a:rPr lang="de-DE" sz="1400" dirty="0" err="1"/>
+              <a:t>rst</a:t>
+            </a:r>
+            <a:endParaRPr lang="de-DE" sz="1400" dirty="0"/>
+          </a:p>
+        </p:txBody>
+      </p:sp>
+      <p:sp>
+        <p:nvSpPr>
+          <p:cNvPr id="17" name="矩形 16">
+            <a:extLst>
+              <a:ext uri="{FF2B5EF4-FFF2-40B4-BE49-F238E27FC236}">
+                <a16:creationId xmlns:a16="http://schemas.microsoft.com/office/drawing/2014/main" id="{F88A036C-E942-4142-84DE-201A60A24ACC}"/>
+              </a:ext>
+            </a:extLst>
+          </p:cNvPr>
+          <p:cNvSpPr/>
+          <p:nvPr/>
+        </p:nvSpPr>
+        <p:spPr>
+          <a:xfrm>
+            <a:off x="2625024" y="4442333"/>
+            <a:ext cx="789710" cy="263237"/>
+          </a:xfrm>
+          <a:prstGeom prst="rect">
+            <a:avLst/>
+          </a:prstGeom>
+          <a:noFill/>
+          <a:ln>
+            <a:solidFill>
+              <a:schemeClr val="bg1"/>
+            </a:solidFill>
+          </a:ln>
+        </p:spPr>
+        <p:style>
+          <a:lnRef idx="2">
+            <a:schemeClr val="dk1"/>
+          </a:lnRef>
+          <a:fillRef idx="1">
+            <a:schemeClr val="lt1"/>
+          </a:fillRef>
+          <a:effectRef idx="0">
+            <a:schemeClr val="dk1"/>
+          </a:effectRef>
+          <a:fontRef idx="minor">
+            <a:schemeClr val="dk1"/>
+          </a:fontRef>
+        </p:style>
+        <p:txBody>
+          <a:bodyPr rtlCol="0" anchor="ctr"/>
+          <a:lstStyle/>
+          <a:p>
+            <a:pPr algn="ctr"/>
+            <a:r>
+              <a:rPr lang="de-DE" sz="1400" dirty="0" err="1"/>
+              <a:t>write</a:t>
+            </a:r>
+            <a:endParaRPr lang="de-DE" sz="1400" dirty="0"/>
+          </a:p>
+        </p:txBody>
+      </p:sp>
+      <p:sp>
+        <p:nvSpPr>
+          <p:cNvPr id="18" name="矩形 17">
+            <a:extLst>
+              <a:ext uri="{FF2B5EF4-FFF2-40B4-BE49-F238E27FC236}">
+                <a16:creationId xmlns:a16="http://schemas.microsoft.com/office/drawing/2014/main" id="{36F4FC09-8B96-4C60-8B04-626C33A7A17C}"/>
+              </a:ext>
+            </a:extLst>
+          </p:cNvPr>
+          <p:cNvSpPr/>
+          <p:nvPr/>
+        </p:nvSpPr>
+        <p:spPr>
+          <a:xfrm>
+            <a:off x="2625024" y="5285189"/>
+            <a:ext cx="789710" cy="263237"/>
+          </a:xfrm>
+          <a:prstGeom prst="rect">
+            <a:avLst/>
+          </a:prstGeom>
+          <a:noFill/>
+          <a:ln>
+            <a:solidFill>
+              <a:schemeClr val="bg1"/>
+            </a:solidFill>
+          </a:ln>
+        </p:spPr>
+        <p:style>
+          <a:lnRef idx="2">
+            <a:schemeClr val="dk1"/>
+          </a:lnRef>
+          <a:fillRef idx="1">
+            <a:schemeClr val="lt1"/>
+          </a:fillRef>
+          <a:effectRef idx="0">
+            <a:schemeClr val="dk1"/>
+          </a:effectRef>
+          <a:fontRef idx="minor">
+            <a:schemeClr val="dk1"/>
+          </a:fontRef>
+        </p:style>
+        <p:txBody>
+          <a:bodyPr rtlCol="0" anchor="ctr"/>
+          <a:lstStyle/>
+          <a:p>
+            <a:pPr algn="ctr"/>
+            <a:r>
+              <a:rPr lang="de-DE" sz="1400" dirty="0" err="1"/>
+              <a:t>read</a:t>
+            </a:r>
+            <a:endParaRPr lang="de-DE" sz="1400" dirty="0"/>
+          </a:p>
+        </p:txBody>
+      </p:sp>
+      <p:cxnSp>
+        <p:nvCxnSpPr>
+          <p:cNvPr id="21" name="直接箭头连接符 20">
+            <a:extLst>
+              <a:ext uri="{FF2B5EF4-FFF2-40B4-BE49-F238E27FC236}">
+                <a16:creationId xmlns:a16="http://schemas.microsoft.com/office/drawing/2014/main" id="{799205B3-9987-4468-A493-E8F9F8C062FB}"/>
+              </a:ext>
+            </a:extLst>
+          </p:cNvPr>
+          <p:cNvCxnSpPr/>
+          <p:nvPr/>
+        </p:nvCxnSpPr>
+        <p:spPr>
+          <a:xfrm>
+            <a:off x="2697018" y="4825999"/>
+            <a:ext cx="717716" cy="0"/>
+          </a:xfrm>
+          <a:prstGeom prst="straightConnector1">
+            <a:avLst/>
+          </a:prstGeom>
+          <a:ln>
+            <a:solidFill>
+              <a:schemeClr val="tx1"/>
+            </a:solidFill>
+            <a:tailEnd type="triangle"/>
+          </a:ln>
+        </p:spPr>
+        <p:style>
+          <a:lnRef idx="1">
+            <a:schemeClr val="accent1"/>
+          </a:lnRef>
+          <a:fillRef idx="0">
+            <a:schemeClr val="accent1"/>
+          </a:fillRef>
+          <a:effectRef idx="0">
+            <a:schemeClr val="accent1"/>
+          </a:effectRef>
+          <a:fontRef idx="minor">
+            <a:schemeClr val="tx1"/>
+          </a:fontRef>
+        </p:style>
+      </p:cxnSp>
+      <p:cxnSp>
+        <p:nvCxnSpPr>
+          <p:cNvPr id="22" name="直接箭头连接符 21">
+            <a:extLst>
+              <a:ext uri="{FF2B5EF4-FFF2-40B4-BE49-F238E27FC236}">
+                <a16:creationId xmlns:a16="http://schemas.microsoft.com/office/drawing/2014/main" id="{B74FF380-F6B0-454F-A660-53EBE60EDC58}"/>
+              </a:ext>
+            </a:extLst>
+          </p:cNvPr>
+          <p:cNvCxnSpPr/>
+          <p:nvPr/>
+        </p:nvCxnSpPr>
+        <p:spPr>
+          <a:xfrm>
+            <a:off x="2697018" y="5627254"/>
+            <a:ext cx="717716" cy="0"/>
+          </a:xfrm>
+          <a:prstGeom prst="straightConnector1">
+            <a:avLst/>
+          </a:prstGeom>
+          <a:ln>
+            <a:solidFill>
+              <a:schemeClr val="tx1"/>
+            </a:solidFill>
+            <a:tailEnd type="triangle"/>
+          </a:ln>
+        </p:spPr>
+        <p:style>
+          <a:lnRef idx="1">
+            <a:schemeClr val="accent1"/>
+          </a:lnRef>
+          <a:fillRef idx="0">
+            <a:schemeClr val="accent1"/>
+          </a:fillRef>
+          <a:effectRef idx="0">
+            <a:schemeClr val="accent1"/>
+          </a:effectRef>
+          <a:fontRef idx="minor">
+            <a:schemeClr val="tx1"/>
+          </a:fontRef>
+        </p:style>
+      </p:cxnSp>
     </p:spTree>
     <p:extLst>
       <p:ext uri="{BB962C8B-B14F-4D97-AF65-F5344CB8AC3E}">
@@ -17730,10 +17427,10 @@
       </p:grpSpPr>
       <p:sp>
         <p:nvSpPr>
-          <p:cNvPr id="2" name="内容占位符 1">
+          <p:cNvPr id="2" name="Inhaltsplatzhalter 1">
             <a:extLst>
               <a:ext uri="{FF2B5EF4-FFF2-40B4-BE49-F238E27FC236}">
-                <a16:creationId xmlns:a16="http://schemas.microsoft.com/office/drawing/2014/main" id="{A17556D4-F9AD-4060-A74B-810961617C99}"/>
+                <a16:creationId xmlns:a16="http://schemas.microsoft.com/office/drawing/2014/main" id="{A74B25C5-B6A4-E94E-A101-8E8D322AA3C8}"/>
               </a:ext>
             </a:extLst>
           </p:cNvPr>
@@ -17744,9 +17441,16 @@
             <p:ph idx="1"/>
           </p:nvPr>
         </p:nvSpPr>
-        <p:spPr/>
-        <p:txBody>
-          <a:bodyPr/>
+        <p:spPr>
+          <a:xfrm>
+            <a:off x="223200" y="1259997"/>
+            <a:ext cx="11125200" cy="4486472"/>
+          </a:xfrm>
+        </p:spPr>
+        <p:txBody>
+          <a:bodyPr>
+            <a:normAutofit/>
+          </a:bodyPr>
           <a:lstStyle/>
           <a:p>
             <a:pPr>
@@ -17755,8 +17459,8 @@
               </a:spcBef>
             </a:pPr>
             <a:r>
-              <a:rPr lang="de-DE" dirty="0"/>
-              <a:t>Das Simulationsergebnis von Kontroller mit Non-volatile-FF.</a:t>
+              <a:rPr lang="de-DE" sz="2400" dirty="0"/>
+              <a:t>Basierend auf CMOS-FF habe ich zusätzliche Signale und Schaltungen hinzufügt.</a:t>
             </a:r>
           </a:p>
           <a:p>
@@ -17765,7 +17469,31 @@
                 <a:spcPts val="1800"/>
               </a:spcBef>
             </a:pPr>
-            <a:endParaRPr lang="de-DE" dirty="0"/>
+            <a:r>
+              <a:rPr lang="de-DE" sz="2400" dirty="0"/>
+              <a:t>„</a:t>
+            </a:r>
+            <a:r>
+              <a:rPr lang="de-DE" sz="2400" dirty="0" err="1"/>
+              <a:t>write</a:t>
+            </a:r>
+            <a:r>
+              <a:rPr lang="de-DE" sz="2400" dirty="0"/>
+              <a:t>“ Signal kontrolliert den </a:t>
+            </a:r>
+            <a:r>
+              <a:rPr lang="de-DE" sz="2400" dirty="0" err="1"/>
+              <a:t>Speichernprocess</a:t>
+            </a:r>
+            <a:r>
+              <a:rPr lang="de-DE" sz="2400" dirty="0"/>
+              <a:t> im Non-volatile </a:t>
+            </a:r>
+            <a:r>
+              <a:rPr lang="de-DE" sz="2400" dirty="0" err="1"/>
+              <a:t>Komponent</a:t>
+            </a:r>
+            <a:endParaRPr lang="de-DE" sz="2400" dirty="0"/>
           </a:p>
           <a:p>
             <a:pPr>
@@ -17773,73 +17501,59 @@
                 <a:spcPts val="1800"/>
               </a:spcBef>
             </a:pPr>
-            <a:endParaRPr lang="de-DE" dirty="0"/>
-          </a:p>
-          <a:p>
-            <a:pPr>
-              <a:spcBef>
-                <a:spcPts val="1800"/>
-              </a:spcBef>
-            </a:pPr>
-            <a:r>
-              <a:rPr lang="de-DE" dirty="0"/>
-              <a:t>Fragen:</a:t>
-            </a:r>
-          </a:p>
-          <a:p>
-            <a:pPr lvl="1">
-              <a:spcBef>
-                <a:spcPts val="1800"/>
-              </a:spcBef>
-            </a:pPr>
-            <a:r>
-              <a:rPr lang="de-DE" dirty="0"/>
-              <a:t>Sollen wir bei jeder Taktzyklus den Zustand vom Prozessor speichern? Oder nur bei einem bestimmten Zeitpunkt den Zustand zu speichern?</a:t>
-            </a:r>
-          </a:p>
-          <a:p>
-            <a:pPr lvl="1">
-              <a:spcBef>
-                <a:spcPts val="1800"/>
-              </a:spcBef>
-            </a:pPr>
-            <a:r>
-              <a:rPr lang="de-DE" dirty="0"/>
-              <a:t>Der Zustand wird nur bei getriggerte „</a:t>
-            </a:r>
-            <a:r>
-              <a:rPr lang="de-DE" dirty="0" err="1"/>
+            <a:r>
+              <a:rPr lang="de-DE" sz="2400" dirty="0"/>
+              <a:t>„</a:t>
+            </a:r>
+            <a:r>
+              <a:rPr lang="de-DE" sz="2400" dirty="0" err="1"/>
               <a:t>read</a:t>
             </a:r>
             <a:r>
-              <a:rPr lang="de-DE" dirty="0"/>
-              <a:t>“ Signal ausgelesen. Sollen wir bei dem getriggerte „</a:t>
-            </a:r>
-            <a:r>
-              <a:rPr lang="de-DE" dirty="0" err="1"/>
-              <a:t>read</a:t>
-            </a:r>
-            <a:r>
-              <a:rPr lang="de-DE" dirty="0"/>
-              <a:t>“ Signal den Zustand langfristig erhalten?</a:t>
-            </a:r>
-          </a:p>
-          <a:p>
-            <a:pPr>
-              <a:spcBef>
-                <a:spcPts val="1800"/>
-              </a:spcBef>
-            </a:pPr>
-            <a:endParaRPr lang="de-DE" dirty="0"/>
-          </a:p>
-        </p:txBody>
-      </p:sp>
-      <p:sp>
-        <p:nvSpPr>
-          <p:cNvPr id="3" name="日期占位符 2">
+              <a:rPr lang="de-DE" sz="2400" dirty="0"/>
+              <a:t>“ Signal kontrolliert den </a:t>
+            </a:r>
+            <a:r>
+              <a:rPr lang="de-DE" sz="2400" dirty="0" err="1"/>
+              <a:t>Lesenprocess</a:t>
+            </a:r>
+            <a:r>
+              <a:rPr lang="de-DE" sz="2400" dirty="0"/>
+              <a:t> von Non-volatile </a:t>
+            </a:r>
+            <a:r>
+              <a:rPr lang="de-DE" sz="2400" dirty="0" err="1"/>
+              <a:t>Komponent</a:t>
+            </a:r>
+            <a:r>
+              <a:rPr lang="de-DE" sz="2400" dirty="0"/>
+              <a:t>. Es repräsentiert das „</a:t>
+            </a:r>
+            <a:r>
+              <a:rPr lang="de-DE" sz="2400" dirty="0" err="1"/>
+              <a:t>Enable</a:t>
+            </a:r>
+            <a:r>
+              <a:rPr lang="de-DE" sz="2400" dirty="0"/>
+              <a:t>“ Signal für den Back-up </a:t>
+            </a:r>
+            <a:r>
+              <a:rPr lang="de-DE" sz="2400" dirty="0" err="1"/>
+              <a:t>Process</a:t>
+            </a:r>
+            <a:r>
+              <a:rPr lang="de-DE" sz="2400" dirty="0"/>
+              <a:t>.</a:t>
+            </a:r>
+          </a:p>
+        </p:txBody>
+      </p:sp>
+      <p:sp>
+        <p:nvSpPr>
+          <p:cNvPr id="3" name="Datumsplatzhalter 2">
             <a:extLst>
               <a:ext uri="{FF2B5EF4-FFF2-40B4-BE49-F238E27FC236}">
-                <a16:creationId xmlns:a16="http://schemas.microsoft.com/office/drawing/2014/main" id="{7CECD9CB-DFCE-45B4-A73B-C4A573E4260B}"/>
+                <a16:creationId xmlns:a16="http://schemas.microsoft.com/office/drawing/2014/main" id="{9A8DFA1D-1E67-ED4F-853D-A810F491A61D}"/>
               </a:ext>
             </a:extLst>
           </p:cNvPr>
@@ -17855,20 +17569,20 @@
           <a:bodyPr/>
           <a:lstStyle/>
           <a:p>
-            <a:fld id="{972A1FD8-603F-438E-AC40-DD7043440C8D}" type="datetime4">
+            <a:fld id="{D081D90B-27A7-49E8-9856-FB81265ECD30}" type="datetime4">
               <a:rPr lang="en-US" noProof="0" smtClean="0"/>
               <a:t>March 6, 2022</a:t>
             </a:fld>
-            <a:endParaRPr lang="en-US" noProof="0" dirty="0"/>
-          </a:p>
-        </p:txBody>
-      </p:sp>
-      <p:sp>
-        <p:nvSpPr>
-          <p:cNvPr id="4" name="灯片编号占位符 3">
+            <a:endParaRPr lang="en-US" noProof="0"/>
+          </a:p>
+        </p:txBody>
+      </p:sp>
+      <p:sp>
+        <p:nvSpPr>
+          <p:cNvPr id="4" name="Foliennummernplatzhalter 3">
             <a:extLst>
               <a:ext uri="{FF2B5EF4-FFF2-40B4-BE49-F238E27FC236}">
-                <a16:creationId xmlns:a16="http://schemas.microsoft.com/office/drawing/2014/main" id="{50D7A4AE-3DCB-4C74-A80A-725C6A90528C}"/>
+                <a16:creationId xmlns:a16="http://schemas.microsoft.com/office/drawing/2014/main" id="{83129646-DAB2-7B4D-8450-A969602B4375}"/>
               </a:ext>
             </a:extLst>
           </p:cNvPr>
@@ -17894,10 +17608,10 @@
       </p:sp>
       <p:sp>
         <p:nvSpPr>
-          <p:cNvPr id="5" name="标题 4">
+          <p:cNvPr id="5" name="Titel 4">
             <a:extLst>
               <a:ext uri="{FF2B5EF4-FFF2-40B4-BE49-F238E27FC236}">
-                <a16:creationId xmlns:a16="http://schemas.microsoft.com/office/drawing/2014/main" id="{0D4E0AA3-937A-49B3-9FC4-96F4DFFC82CB}"/>
+                <a16:creationId xmlns:a16="http://schemas.microsoft.com/office/drawing/2014/main" id="{48E15B8B-7C43-A64A-B8B9-EB7D076B693C}"/>
               </a:ext>
             </a:extLst>
           </p:cNvPr>
@@ -17908,62 +17622,652 @@
             <p:ph type="title"/>
           </p:nvPr>
         </p:nvSpPr>
-        <p:spPr/>
+        <p:spPr>
+          <a:xfrm>
+            <a:off x="223200" y="185975"/>
+            <a:ext cx="9158904" cy="767748"/>
+          </a:xfrm>
+        </p:spPr>
         <p:txBody>
           <a:bodyPr/>
           <a:lstStyle/>
           <a:p>
             <a:r>
               <a:rPr lang="de-DE" dirty="0"/>
-              <a:t>S</a:t>
-            </a:r>
-            <a:r>
-              <a:rPr lang="de-DE" altLang="zh-CN" dirty="0"/>
-              <a:t>imulationsergebnis</a:t>
-            </a:r>
-            <a:endParaRPr lang="de-DE" dirty="0"/>
-          </a:p>
-        </p:txBody>
-      </p:sp>
-      <p:pic>
-        <p:nvPicPr>
-          <p:cNvPr id="7" name="图片 6" descr="电脑萤幕的截图&#10;&#10;描述已自动生成">
+              <a:t>Non-volatile-FF</a:t>
+            </a:r>
+          </a:p>
+        </p:txBody>
+      </p:sp>
+      <p:sp>
+        <p:nvSpPr>
+          <p:cNvPr id="6" name="矩形 5">
             <a:extLst>
               <a:ext uri="{FF2B5EF4-FFF2-40B4-BE49-F238E27FC236}">
-                <a16:creationId xmlns:a16="http://schemas.microsoft.com/office/drawing/2014/main" id="{6CCC61D3-AFEF-4A15-8BB4-3EED8EC87706}"/>
+                <a16:creationId xmlns:a16="http://schemas.microsoft.com/office/drawing/2014/main" id="{75B011EC-1DA4-49C3-9042-105CC17B2A1E}"/>
               </a:ext>
             </a:extLst>
           </p:cNvPr>
-          <p:cNvPicPr>
-            <a:picLocks noChangeAspect="1"/>
-          </p:cNvPicPr>
+          <p:cNvSpPr/>
           <p:nvPr/>
-        </p:nvPicPr>
-        <p:blipFill rotWithShape="1">
-          <a:blip r:embed="rId2">
+        </p:nvSpPr>
+        <p:spPr>
+          <a:xfrm>
+            <a:off x="1228436" y="4230254"/>
+            <a:ext cx="1468582" cy="1902691"/>
+          </a:xfrm>
+          <a:prstGeom prst="rect">
+            <a:avLst/>
+          </a:prstGeom>
+        </p:spPr>
+        <p:style>
+          <a:lnRef idx="2">
+            <a:schemeClr val="dk1"/>
+          </a:lnRef>
+          <a:fillRef idx="1">
+            <a:schemeClr val="lt1"/>
+          </a:fillRef>
+          <a:effectRef idx="0">
+            <a:schemeClr val="dk1"/>
+          </a:effectRef>
+          <a:fontRef idx="minor">
+            <a:schemeClr val="dk1"/>
+          </a:fontRef>
+        </p:style>
+        <p:txBody>
+          <a:bodyPr rtlCol="0" anchor="ctr"/>
+          <a:lstStyle/>
+          <a:p>
+            <a:pPr algn="ctr"/>
+            <a:r>
+              <a:rPr lang="de-DE" dirty="0"/>
+              <a:t>Non-volatile-FF</a:t>
+            </a:r>
+          </a:p>
+        </p:txBody>
+      </p:sp>
+      <p:cxnSp>
+        <p:nvCxnSpPr>
+          <p:cNvPr id="10" name="直接箭头连接符 9">
             <a:extLst>
-              <a:ext uri="{28A0092B-C50C-407E-A947-70E740481C1C}">
-                <a14:useLocalDpi xmlns:a14="http://schemas.microsoft.com/office/drawing/2010/main" val="0"/>
+              <a:ext uri="{FF2B5EF4-FFF2-40B4-BE49-F238E27FC236}">
+                <a16:creationId xmlns:a16="http://schemas.microsoft.com/office/drawing/2014/main" id="{AA9C0279-957F-49B2-B43F-EB4D792C8B8E}"/>
               </a:ext>
             </a:extLst>
-          </a:blip>
-          <a:srcRect l="15075" t="19827" r="7349" b="62118"/>
-          <a:stretch/>
-        </p:blipFill>
-        <p:spPr>
-          <a:xfrm>
-            <a:off x="1237673" y="1945192"/>
-            <a:ext cx="9458037" cy="1200682"/>
-          </a:xfrm>
-          <a:prstGeom prst="rect">
-            <a:avLst/>
-          </a:prstGeom>
-        </p:spPr>
-      </p:pic>
+          </p:cNvPr>
+          <p:cNvCxnSpPr/>
+          <p:nvPr/>
+        </p:nvCxnSpPr>
+        <p:spPr>
+          <a:xfrm>
+            <a:off x="510720" y="4535054"/>
+            <a:ext cx="717716" cy="0"/>
+          </a:xfrm>
+          <a:prstGeom prst="straightConnector1">
+            <a:avLst/>
+          </a:prstGeom>
+          <a:ln>
+            <a:solidFill>
+              <a:schemeClr val="tx1"/>
+            </a:solidFill>
+            <a:tailEnd type="triangle"/>
+          </a:ln>
+        </p:spPr>
+        <p:style>
+          <a:lnRef idx="1">
+            <a:schemeClr val="accent1"/>
+          </a:lnRef>
+          <a:fillRef idx="0">
+            <a:schemeClr val="accent1"/>
+          </a:fillRef>
+          <a:effectRef idx="0">
+            <a:schemeClr val="accent1"/>
+          </a:effectRef>
+          <a:fontRef idx="minor">
+            <a:schemeClr val="tx1"/>
+          </a:fontRef>
+        </p:style>
+      </p:cxnSp>
+      <p:cxnSp>
+        <p:nvCxnSpPr>
+          <p:cNvPr id="11" name="直接箭头连接符 10">
+            <a:extLst>
+              <a:ext uri="{FF2B5EF4-FFF2-40B4-BE49-F238E27FC236}">
+                <a16:creationId xmlns:a16="http://schemas.microsoft.com/office/drawing/2014/main" id="{F7869044-EA89-4477-9C60-7CE53F1A314E}"/>
+              </a:ext>
+            </a:extLst>
+          </p:cNvPr>
+          <p:cNvCxnSpPr/>
+          <p:nvPr/>
+        </p:nvCxnSpPr>
+        <p:spPr>
+          <a:xfrm>
+            <a:off x="510720" y="5036126"/>
+            <a:ext cx="717716" cy="0"/>
+          </a:xfrm>
+          <a:prstGeom prst="straightConnector1">
+            <a:avLst/>
+          </a:prstGeom>
+          <a:ln>
+            <a:solidFill>
+              <a:schemeClr val="tx1"/>
+            </a:solidFill>
+            <a:tailEnd type="triangle"/>
+          </a:ln>
+        </p:spPr>
+        <p:style>
+          <a:lnRef idx="1">
+            <a:schemeClr val="accent1"/>
+          </a:lnRef>
+          <a:fillRef idx="0">
+            <a:schemeClr val="accent1"/>
+          </a:fillRef>
+          <a:effectRef idx="0">
+            <a:schemeClr val="accent1"/>
+          </a:effectRef>
+          <a:fontRef idx="minor">
+            <a:schemeClr val="tx1"/>
+          </a:fontRef>
+        </p:style>
+      </p:cxnSp>
+      <p:cxnSp>
+        <p:nvCxnSpPr>
+          <p:cNvPr id="12" name="直接箭头连接符 11">
+            <a:extLst>
+              <a:ext uri="{FF2B5EF4-FFF2-40B4-BE49-F238E27FC236}">
+                <a16:creationId xmlns:a16="http://schemas.microsoft.com/office/drawing/2014/main" id="{26B2802E-0FC9-4E7C-927A-6AB76DBCDE8F}"/>
+              </a:ext>
+            </a:extLst>
+          </p:cNvPr>
+          <p:cNvCxnSpPr/>
+          <p:nvPr/>
+        </p:nvCxnSpPr>
+        <p:spPr>
+          <a:xfrm>
+            <a:off x="510720" y="5527963"/>
+            <a:ext cx="717716" cy="0"/>
+          </a:xfrm>
+          <a:prstGeom prst="straightConnector1">
+            <a:avLst/>
+          </a:prstGeom>
+          <a:ln>
+            <a:solidFill>
+              <a:schemeClr val="tx1"/>
+            </a:solidFill>
+            <a:tailEnd type="triangle"/>
+          </a:ln>
+        </p:spPr>
+        <p:style>
+          <a:lnRef idx="1">
+            <a:schemeClr val="accent1"/>
+          </a:lnRef>
+          <a:fillRef idx="0">
+            <a:schemeClr val="accent1"/>
+          </a:fillRef>
+          <a:effectRef idx="0">
+            <a:schemeClr val="accent1"/>
+          </a:effectRef>
+          <a:fontRef idx="minor">
+            <a:schemeClr val="tx1"/>
+          </a:fontRef>
+        </p:style>
+      </p:cxnSp>
+      <p:sp>
+        <p:nvSpPr>
+          <p:cNvPr id="14" name="矩形 13">
+            <a:extLst>
+              <a:ext uri="{FF2B5EF4-FFF2-40B4-BE49-F238E27FC236}">
+                <a16:creationId xmlns:a16="http://schemas.microsoft.com/office/drawing/2014/main" id="{A0CDA552-C3C6-4FB2-A643-BF2997FA485A}"/>
+              </a:ext>
+            </a:extLst>
+          </p:cNvPr>
+          <p:cNvSpPr/>
+          <p:nvPr/>
+        </p:nvSpPr>
+        <p:spPr>
+          <a:xfrm>
+            <a:off x="474723" y="4204117"/>
+            <a:ext cx="789710" cy="263237"/>
+          </a:xfrm>
+          <a:prstGeom prst="rect">
+            <a:avLst/>
+          </a:prstGeom>
+          <a:noFill/>
+          <a:ln>
+            <a:solidFill>
+              <a:schemeClr val="bg1"/>
+            </a:solidFill>
+          </a:ln>
+        </p:spPr>
+        <p:style>
+          <a:lnRef idx="2">
+            <a:schemeClr val="dk1"/>
+          </a:lnRef>
+          <a:fillRef idx="1">
+            <a:schemeClr val="lt1"/>
+          </a:fillRef>
+          <a:effectRef idx="0">
+            <a:schemeClr val="dk1"/>
+          </a:effectRef>
+          <a:fontRef idx="minor">
+            <a:schemeClr val="dk1"/>
+          </a:fontRef>
+        </p:style>
+        <p:txBody>
+          <a:bodyPr rtlCol="0" anchor="ctr"/>
+          <a:lstStyle/>
+          <a:p>
+            <a:pPr algn="ctr"/>
+            <a:r>
+              <a:rPr lang="de-DE" sz="1400" dirty="0" err="1"/>
+              <a:t>clk</a:t>
+            </a:r>
+            <a:endParaRPr lang="de-DE" sz="1400" dirty="0"/>
+          </a:p>
+        </p:txBody>
+      </p:sp>
+      <p:sp>
+        <p:nvSpPr>
+          <p:cNvPr id="15" name="矩形 14">
+            <a:extLst>
+              <a:ext uri="{FF2B5EF4-FFF2-40B4-BE49-F238E27FC236}">
+                <a16:creationId xmlns:a16="http://schemas.microsoft.com/office/drawing/2014/main" id="{21418D89-4378-4547-B7C6-89EF91E8CCC6}"/>
+              </a:ext>
+            </a:extLst>
+          </p:cNvPr>
+          <p:cNvSpPr/>
+          <p:nvPr/>
+        </p:nvSpPr>
+        <p:spPr>
+          <a:xfrm>
+            <a:off x="474723" y="4678217"/>
+            <a:ext cx="789710" cy="263237"/>
+          </a:xfrm>
+          <a:prstGeom prst="rect">
+            <a:avLst/>
+          </a:prstGeom>
+          <a:noFill/>
+          <a:ln>
+            <a:solidFill>
+              <a:schemeClr val="bg1"/>
+            </a:solidFill>
+          </a:ln>
+        </p:spPr>
+        <p:style>
+          <a:lnRef idx="2">
+            <a:schemeClr val="dk1"/>
+          </a:lnRef>
+          <a:fillRef idx="1">
+            <a:schemeClr val="lt1"/>
+          </a:fillRef>
+          <a:effectRef idx="0">
+            <a:schemeClr val="dk1"/>
+          </a:effectRef>
+          <a:fontRef idx="minor">
+            <a:schemeClr val="dk1"/>
+          </a:fontRef>
+        </p:style>
+        <p:txBody>
+          <a:bodyPr rtlCol="0" anchor="ctr"/>
+          <a:lstStyle/>
+          <a:p>
+            <a:pPr algn="ctr"/>
+            <a:r>
+              <a:rPr lang="de-DE" sz="1400" dirty="0" err="1"/>
+              <a:t>rst</a:t>
+            </a:r>
+            <a:endParaRPr lang="de-DE" sz="1400" dirty="0"/>
+          </a:p>
+        </p:txBody>
+      </p:sp>
+      <p:sp>
+        <p:nvSpPr>
+          <p:cNvPr id="16" name="矩形 15">
+            <a:extLst>
+              <a:ext uri="{FF2B5EF4-FFF2-40B4-BE49-F238E27FC236}">
+                <a16:creationId xmlns:a16="http://schemas.microsoft.com/office/drawing/2014/main" id="{1F15CEAC-3F36-416D-B861-EAF4A5F6AABE}"/>
+              </a:ext>
+            </a:extLst>
+          </p:cNvPr>
+          <p:cNvSpPr/>
+          <p:nvPr/>
+        </p:nvSpPr>
+        <p:spPr>
+          <a:xfrm>
+            <a:off x="474723" y="5136891"/>
+            <a:ext cx="789710" cy="263237"/>
+          </a:xfrm>
+          <a:prstGeom prst="rect">
+            <a:avLst/>
+          </a:prstGeom>
+          <a:noFill/>
+          <a:ln>
+            <a:solidFill>
+              <a:schemeClr val="bg1"/>
+            </a:solidFill>
+          </a:ln>
+        </p:spPr>
+        <p:style>
+          <a:lnRef idx="2">
+            <a:schemeClr val="dk1"/>
+          </a:lnRef>
+          <a:fillRef idx="1">
+            <a:schemeClr val="lt1"/>
+          </a:fillRef>
+          <a:effectRef idx="0">
+            <a:schemeClr val="dk1"/>
+          </a:effectRef>
+          <a:fontRef idx="minor">
+            <a:schemeClr val="dk1"/>
+          </a:fontRef>
+        </p:style>
+        <p:txBody>
+          <a:bodyPr rtlCol="0" anchor="ctr"/>
+          <a:lstStyle/>
+          <a:p>
+            <a:pPr algn="ctr"/>
+            <a:r>
+              <a:rPr lang="de-DE" sz="1400" dirty="0"/>
+              <a:t>d</a:t>
+            </a:r>
+          </a:p>
+        </p:txBody>
+      </p:sp>
+      <p:cxnSp>
+        <p:nvCxnSpPr>
+          <p:cNvPr id="17" name="直接箭头连接符 16">
+            <a:extLst>
+              <a:ext uri="{FF2B5EF4-FFF2-40B4-BE49-F238E27FC236}">
+                <a16:creationId xmlns:a16="http://schemas.microsoft.com/office/drawing/2014/main" id="{9263F53E-BC70-4CA0-9132-4B5C790AE58B}"/>
+              </a:ext>
+            </a:extLst>
+          </p:cNvPr>
+          <p:cNvCxnSpPr>
+            <a:cxnSpLocks/>
+          </p:cNvCxnSpPr>
+          <p:nvPr/>
+        </p:nvCxnSpPr>
+        <p:spPr>
+          <a:xfrm>
+            <a:off x="1599361" y="3916217"/>
+            <a:ext cx="0" cy="314037"/>
+          </a:xfrm>
+          <a:prstGeom prst="straightConnector1">
+            <a:avLst/>
+          </a:prstGeom>
+          <a:ln>
+            <a:solidFill>
+              <a:schemeClr val="tx1"/>
+            </a:solidFill>
+            <a:tailEnd type="triangle"/>
+          </a:ln>
+        </p:spPr>
+        <p:style>
+          <a:lnRef idx="1">
+            <a:schemeClr val="accent1"/>
+          </a:lnRef>
+          <a:fillRef idx="0">
+            <a:schemeClr val="accent1"/>
+          </a:fillRef>
+          <a:effectRef idx="0">
+            <a:schemeClr val="accent1"/>
+          </a:effectRef>
+          <a:fontRef idx="minor">
+            <a:schemeClr val="tx1"/>
+          </a:fontRef>
+        </p:style>
+      </p:cxnSp>
+      <p:cxnSp>
+        <p:nvCxnSpPr>
+          <p:cNvPr id="19" name="直接箭头连接符 18">
+            <a:extLst>
+              <a:ext uri="{FF2B5EF4-FFF2-40B4-BE49-F238E27FC236}">
+                <a16:creationId xmlns:a16="http://schemas.microsoft.com/office/drawing/2014/main" id="{30AB5CE2-304F-4DC4-AD6A-BD0086D89860}"/>
+              </a:ext>
+            </a:extLst>
+          </p:cNvPr>
+          <p:cNvCxnSpPr>
+            <a:cxnSpLocks/>
+          </p:cNvCxnSpPr>
+          <p:nvPr/>
+        </p:nvCxnSpPr>
+        <p:spPr>
+          <a:xfrm>
+            <a:off x="2200564" y="3916217"/>
+            <a:ext cx="0" cy="314037"/>
+          </a:xfrm>
+          <a:prstGeom prst="straightConnector1">
+            <a:avLst/>
+          </a:prstGeom>
+          <a:ln>
+            <a:solidFill>
+              <a:schemeClr val="tx1"/>
+            </a:solidFill>
+            <a:tailEnd type="triangle"/>
+          </a:ln>
+        </p:spPr>
+        <p:style>
+          <a:lnRef idx="1">
+            <a:schemeClr val="accent1"/>
+          </a:lnRef>
+          <a:fillRef idx="0">
+            <a:schemeClr val="accent1"/>
+          </a:fillRef>
+          <a:effectRef idx="0">
+            <a:schemeClr val="accent1"/>
+          </a:effectRef>
+          <a:fontRef idx="minor">
+            <a:schemeClr val="tx1"/>
+          </a:fontRef>
+        </p:style>
+      </p:cxnSp>
+      <p:sp>
+        <p:nvSpPr>
+          <p:cNvPr id="20" name="矩形 19">
+            <a:extLst>
+              <a:ext uri="{FF2B5EF4-FFF2-40B4-BE49-F238E27FC236}">
+                <a16:creationId xmlns:a16="http://schemas.microsoft.com/office/drawing/2014/main" id="{31B94692-400D-46CE-9AE3-0320AD46CF71}"/>
+              </a:ext>
+            </a:extLst>
+          </p:cNvPr>
+          <p:cNvSpPr/>
+          <p:nvPr/>
+        </p:nvSpPr>
+        <p:spPr>
+          <a:xfrm>
+            <a:off x="1204506" y="3642270"/>
+            <a:ext cx="789710" cy="263237"/>
+          </a:xfrm>
+          <a:prstGeom prst="rect">
+            <a:avLst/>
+          </a:prstGeom>
+          <a:noFill/>
+          <a:ln>
+            <a:solidFill>
+              <a:schemeClr val="bg1"/>
+            </a:solidFill>
+          </a:ln>
+        </p:spPr>
+        <p:style>
+          <a:lnRef idx="2">
+            <a:schemeClr val="dk1"/>
+          </a:lnRef>
+          <a:fillRef idx="1">
+            <a:schemeClr val="lt1"/>
+          </a:fillRef>
+          <a:effectRef idx="0">
+            <a:schemeClr val="dk1"/>
+          </a:effectRef>
+          <a:fontRef idx="minor">
+            <a:schemeClr val="dk1"/>
+          </a:fontRef>
+        </p:style>
+        <p:txBody>
+          <a:bodyPr rtlCol="0" anchor="ctr"/>
+          <a:lstStyle/>
+          <a:p>
+            <a:pPr algn="ctr"/>
+            <a:r>
+              <a:rPr lang="de-DE" sz="1400" dirty="0" err="1"/>
+              <a:t>write</a:t>
+            </a:r>
+            <a:endParaRPr lang="de-DE" sz="1400" dirty="0"/>
+          </a:p>
+        </p:txBody>
+      </p:sp>
+      <p:sp>
+        <p:nvSpPr>
+          <p:cNvPr id="21" name="矩形 20">
+            <a:extLst>
+              <a:ext uri="{FF2B5EF4-FFF2-40B4-BE49-F238E27FC236}">
+                <a16:creationId xmlns:a16="http://schemas.microsoft.com/office/drawing/2014/main" id="{8B732238-3B84-4BD3-A76E-703A463875F0}"/>
+              </a:ext>
+            </a:extLst>
+          </p:cNvPr>
+          <p:cNvSpPr/>
+          <p:nvPr/>
+        </p:nvSpPr>
+        <p:spPr>
+          <a:xfrm>
+            <a:off x="1805709" y="3652980"/>
+            <a:ext cx="789710" cy="263237"/>
+          </a:xfrm>
+          <a:prstGeom prst="rect">
+            <a:avLst/>
+          </a:prstGeom>
+          <a:noFill/>
+          <a:ln>
+            <a:solidFill>
+              <a:schemeClr val="bg1"/>
+            </a:solidFill>
+          </a:ln>
+        </p:spPr>
+        <p:style>
+          <a:lnRef idx="2">
+            <a:schemeClr val="dk1"/>
+          </a:lnRef>
+          <a:fillRef idx="1">
+            <a:schemeClr val="lt1"/>
+          </a:fillRef>
+          <a:effectRef idx="0">
+            <a:schemeClr val="dk1"/>
+          </a:effectRef>
+          <a:fontRef idx="minor">
+            <a:schemeClr val="dk1"/>
+          </a:fontRef>
+        </p:style>
+        <p:txBody>
+          <a:bodyPr rtlCol="0" anchor="ctr"/>
+          <a:lstStyle/>
+          <a:p>
+            <a:pPr algn="ctr"/>
+            <a:r>
+              <a:rPr lang="de-DE" sz="1400" dirty="0" err="1"/>
+              <a:t>read</a:t>
+            </a:r>
+            <a:endParaRPr lang="de-DE" sz="1400" dirty="0"/>
+          </a:p>
+        </p:txBody>
+      </p:sp>
+      <p:cxnSp>
+        <p:nvCxnSpPr>
+          <p:cNvPr id="22" name="直接箭头连接符 21">
+            <a:extLst>
+              <a:ext uri="{FF2B5EF4-FFF2-40B4-BE49-F238E27FC236}">
+                <a16:creationId xmlns:a16="http://schemas.microsoft.com/office/drawing/2014/main" id="{E75791F2-D5FD-4739-977B-E3C5155A6490}"/>
+              </a:ext>
+            </a:extLst>
+          </p:cNvPr>
+          <p:cNvCxnSpPr/>
+          <p:nvPr/>
+        </p:nvCxnSpPr>
+        <p:spPr>
+          <a:xfrm>
+            <a:off x="2697018" y="5036126"/>
+            <a:ext cx="717716" cy="0"/>
+          </a:xfrm>
+          <a:prstGeom prst="straightConnector1">
+            <a:avLst/>
+          </a:prstGeom>
+          <a:ln>
+            <a:solidFill>
+              <a:schemeClr val="tx1"/>
+            </a:solidFill>
+            <a:tailEnd type="triangle"/>
+          </a:ln>
+        </p:spPr>
+        <p:style>
+          <a:lnRef idx="1">
+            <a:schemeClr val="accent1"/>
+          </a:lnRef>
+          <a:fillRef idx="0">
+            <a:schemeClr val="accent1"/>
+          </a:fillRef>
+          <a:effectRef idx="0">
+            <a:schemeClr val="accent1"/>
+          </a:effectRef>
+          <a:fontRef idx="minor">
+            <a:schemeClr val="tx1"/>
+          </a:fontRef>
+        </p:style>
+      </p:cxnSp>
+      <p:sp>
+        <p:nvSpPr>
+          <p:cNvPr id="23" name="矩形 22">
+            <a:extLst>
+              <a:ext uri="{FF2B5EF4-FFF2-40B4-BE49-F238E27FC236}">
+                <a16:creationId xmlns:a16="http://schemas.microsoft.com/office/drawing/2014/main" id="{3513C92C-D135-4EB1-AFC7-372C7A6E4EFA}"/>
+              </a:ext>
+            </a:extLst>
+          </p:cNvPr>
+          <p:cNvSpPr/>
+          <p:nvPr/>
+        </p:nvSpPr>
+        <p:spPr>
+          <a:xfrm>
+            <a:off x="2661021" y="4694381"/>
+            <a:ext cx="789710" cy="263237"/>
+          </a:xfrm>
+          <a:prstGeom prst="rect">
+            <a:avLst/>
+          </a:prstGeom>
+          <a:noFill/>
+          <a:ln>
+            <a:solidFill>
+              <a:schemeClr val="bg1"/>
+            </a:solidFill>
+          </a:ln>
+        </p:spPr>
+        <p:style>
+          <a:lnRef idx="2">
+            <a:schemeClr val="dk1"/>
+          </a:lnRef>
+          <a:fillRef idx="1">
+            <a:schemeClr val="lt1"/>
+          </a:fillRef>
+          <a:effectRef idx="0">
+            <a:schemeClr val="dk1"/>
+          </a:effectRef>
+          <a:fontRef idx="minor">
+            <a:schemeClr val="dk1"/>
+          </a:fontRef>
+        </p:style>
+        <p:txBody>
+          <a:bodyPr rtlCol="0" anchor="ctr"/>
+          <a:lstStyle/>
+          <a:p>
+            <a:pPr algn="ctr"/>
+            <a:r>
+              <a:rPr lang="de-DE" sz="1400" dirty="0"/>
+              <a:t>q</a:t>
+            </a:r>
+          </a:p>
+        </p:txBody>
+      </p:sp>
     </p:spTree>
     <p:extLst>
       <p:ext uri="{BB962C8B-B14F-4D97-AF65-F5344CB8AC3E}">
-        <p14:creationId xmlns:p14="http://schemas.microsoft.com/office/powerpoint/2010/main" val="3982777931"/>
+        <p14:creationId xmlns:p14="http://schemas.microsoft.com/office/powerpoint/2010/main" val="67989011"/>
       </p:ext>
     </p:extLst>
   </p:cSld>
@@ -17995,6 +18299,268 @@
           <p:cNvPr id="2" name="内容占位符 1">
             <a:extLst>
               <a:ext uri="{FF2B5EF4-FFF2-40B4-BE49-F238E27FC236}">
+                <a16:creationId xmlns:a16="http://schemas.microsoft.com/office/drawing/2014/main" id="{A17556D4-F9AD-4060-A74B-810961617C99}"/>
+              </a:ext>
+            </a:extLst>
+          </p:cNvPr>
+          <p:cNvSpPr>
+            <a:spLocks noGrp="1"/>
+          </p:cNvSpPr>
+          <p:nvPr>
+            <p:ph idx="1"/>
+          </p:nvPr>
+        </p:nvSpPr>
+        <p:spPr/>
+        <p:txBody>
+          <a:bodyPr/>
+          <a:lstStyle/>
+          <a:p>
+            <a:pPr>
+              <a:spcBef>
+                <a:spcPts val="1800"/>
+              </a:spcBef>
+            </a:pPr>
+            <a:r>
+              <a:rPr lang="de-DE" dirty="0"/>
+              <a:t>Das Simulationsergebnis von Kontroller mit Non-volatile-FF.</a:t>
+            </a:r>
+          </a:p>
+          <a:p>
+            <a:pPr>
+              <a:spcBef>
+                <a:spcPts val="1800"/>
+              </a:spcBef>
+            </a:pPr>
+            <a:endParaRPr lang="de-DE" dirty="0"/>
+          </a:p>
+          <a:p>
+            <a:pPr>
+              <a:spcBef>
+                <a:spcPts val="1800"/>
+              </a:spcBef>
+            </a:pPr>
+            <a:endParaRPr lang="de-DE" dirty="0"/>
+          </a:p>
+          <a:p>
+            <a:pPr>
+              <a:spcBef>
+                <a:spcPts val="1800"/>
+              </a:spcBef>
+            </a:pPr>
+            <a:r>
+              <a:rPr lang="de-DE" dirty="0"/>
+              <a:t>Fragen:</a:t>
+            </a:r>
+          </a:p>
+          <a:p>
+            <a:pPr lvl="1">
+              <a:spcBef>
+                <a:spcPts val="1800"/>
+              </a:spcBef>
+            </a:pPr>
+            <a:r>
+              <a:rPr lang="de-DE" dirty="0"/>
+              <a:t>Sollen wir bei jeder Taktzyklus den Zustand vom Prozessor speichern? Oder nur bei einem bestimmten Zeitpunkt den Zustand zu speichern?</a:t>
+            </a:r>
+          </a:p>
+          <a:p>
+            <a:pPr lvl="1">
+              <a:spcBef>
+                <a:spcPts val="1800"/>
+              </a:spcBef>
+            </a:pPr>
+            <a:r>
+              <a:rPr lang="de-DE" dirty="0"/>
+              <a:t>Der Zustand wird nur bei getriggerte „</a:t>
+            </a:r>
+            <a:r>
+              <a:rPr lang="de-DE" dirty="0" err="1"/>
+              <a:t>read</a:t>
+            </a:r>
+            <a:r>
+              <a:rPr lang="de-DE" dirty="0"/>
+              <a:t>“ Signal ausgelesen. Sollen wir bei dem getriggerte „</a:t>
+            </a:r>
+            <a:r>
+              <a:rPr lang="de-DE" dirty="0" err="1"/>
+              <a:t>read</a:t>
+            </a:r>
+            <a:r>
+              <a:rPr lang="de-DE" dirty="0"/>
+              <a:t>“ Signal den Zustand langfristig erhalten?</a:t>
+            </a:r>
+          </a:p>
+          <a:p>
+            <a:pPr>
+              <a:spcBef>
+                <a:spcPts val="1800"/>
+              </a:spcBef>
+            </a:pPr>
+            <a:endParaRPr lang="de-DE" dirty="0"/>
+          </a:p>
+        </p:txBody>
+      </p:sp>
+      <p:sp>
+        <p:nvSpPr>
+          <p:cNvPr id="3" name="日期占位符 2">
+            <a:extLst>
+              <a:ext uri="{FF2B5EF4-FFF2-40B4-BE49-F238E27FC236}">
+                <a16:creationId xmlns:a16="http://schemas.microsoft.com/office/drawing/2014/main" id="{7CECD9CB-DFCE-45B4-A73B-C4A573E4260B}"/>
+              </a:ext>
+            </a:extLst>
+          </p:cNvPr>
+          <p:cNvSpPr>
+            <a:spLocks noGrp="1"/>
+          </p:cNvSpPr>
+          <p:nvPr>
+            <p:ph type="dt" sz="half" idx="10"/>
+          </p:nvPr>
+        </p:nvSpPr>
+        <p:spPr/>
+        <p:txBody>
+          <a:bodyPr/>
+          <a:lstStyle/>
+          <a:p>
+            <a:fld id="{972A1FD8-603F-438E-AC40-DD7043440C8D}" type="datetime4">
+              <a:rPr lang="en-US" noProof="0" smtClean="0"/>
+              <a:t>March 6, 2022</a:t>
+            </a:fld>
+            <a:endParaRPr lang="en-US" noProof="0" dirty="0"/>
+          </a:p>
+        </p:txBody>
+      </p:sp>
+      <p:sp>
+        <p:nvSpPr>
+          <p:cNvPr id="4" name="灯片编号占位符 3">
+            <a:extLst>
+              <a:ext uri="{FF2B5EF4-FFF2-40B4-BE49-F238E27FC236}">
+                <a16:creationId xmlns:a16="http://schemas.microsoft.com/office/drawing/2014/main" id="{50D7A4AE-3DCB-4C74-A80A-725C6A90528C}"/>
+              </a:ext>
+            </a:extLst>
+          </p:cNvPr>
+          <p:cNvSpPr>
+            <a:spLocks noGrp="1"/>
+          </p:cNvSpPr>
+          <p:nvPr>
+            <p:ph type="sldNum" sz="quarter" idx="12"/>
+          </p:nvPr>
+        </p:nvSpPr>
+        <p:spPr/>
+        <p:txBody>
+          <a:bodyPr/>
+          <a:lstStyle/>
+          <a:p>
+            <a:fld id="{61696EC4-B4CF-4701-AD06-A8439D6D8E12}" type="slidenum">
+              <a:rPr lang="en-US" noProof="0" smtClean="0"/>
+              <a:t>5</a:t>
+            </a:fld>
+            <a:endParaRPr lang="en-US" noProof="0"/>
+          </a:p>
+        </p:txBody>
+      </p:sp>
+      <p:sp>
+        <p:nvSpPr>
+          <p:cNvPr id="5" name="标题 4">
+            <a:extLst>
+              <a:ext uri="{FF2B5EF4-FFF2-40B4-BE49-F238E27FC236}">
+                <a16:creationId xmlns:a16="http://schemas.microsoft.com/office/drawing/2014/main" id="{0D4E0AA3-937A-49B3-9FC4-96F4DFFC82CB}"/>
+              </a:ext>
+            </a:extLst>
+          </p:cNvPr>
+          <p:cNvSpPr>
+            <a:spLocks noGrp="1"/>
+          </p:cNvSpPr>
+          <p:nvPr>
+            <p:ph type="title"/>
+          </p:nvPr>
+        </p:nvSpPr>
+        <p:spPr/>
+        <p:txBody>
+          <a:bodyPr/>
+          <a:lstStyle/>
+          <a:p>
+            <a:r>
+              <a:rPr lang="de-DE" dirty="0"/>
+              <a:t>S</a:t>
+            </a:r>
+            <a:r>
+              <a:rPr lang="de-DE" altLang="zh-CN" dirty="0"/>
+              <a:t>imulationsergebnis</a:t>
+            </a:r>
+            <a:endParaRPr lang="de-DE" dirty="0"/>
+          </a:p>
+        </p:txBody>
+      </p:sp>
+      <p:pic>
+        <p:nvPicPr>
+          <p:cNvPr id="7" name="图片 6" descr="电脑萤幕的截图&#10;&#10;描述已自动生成">
+            <a:extLst>
+              <a:ext uri="{FF2B5EF4-FFF2-40B4-BE49-F238E27FC236}">
+                <a16:creationId xmlns:a16="http://schemas.microsoft.com/office/drawing/2014/main" id="{6CCC61D3-AFEF-4A15-8BB4-3EED8EC87706}"/>
+              </a:ext>
+            </a:extLst>
+          </p:cNvPr>
+          <p:cNvPicPr>
+            <a:picLocks noChangeAspect="1"/>
+          </p:cNvPicPr>
+          <p:nvPr/>
+        </p:nvPicPr>
+        <p:blipFill rotWithShape="1">
+          <a:blip r:embed="rId2">
+            <a:extLst>
+              <a:ext uri="{28A0092B-C50C-407E-A947-70E740481C1C}">
+                <a14:useLocalDpi xmlns:a14="http://schemas.microsoft.com/office/drawing/2010/main" val="0"/>
+              </a:ext>
+            </a:extLst>
+          </a:blip>
+          <a:srcRect l="15075" t="19827" r="7349" b="62118"/>
+          <a:stretch/>
+        </p:blipFill>
+        <p:spPr>
+          <a:xfrm>
+            <a:off x="1237673" y="1945192"/>
+            <a:ext cx="9458037" cy="1200682"/>
+          </a:xfrm>
+          <a:prstGeom prst="rect">
+            <a:avLst/>
+          </a:prstGeom>
+        </p:spPr>
+      </p:pic>
+    </p:spTree>
+    <p:extLst>
+      <p:ext uri="{BB962C8B-B14F-4D97-AF65-F5344CB8AC3E}">
+        <p14:creationId xmlns:p14="http://schemas.microsoft.com/office/powerpoint/2010/main" val="3982777931"/>
+      </p:ext>
+    </p:extLst>
+  </p:cSld>
+  <p:clrMapOvr>
+    <a:masterClrMapping/>
+  </p:clrMapOvr>
+</p:sld>
+</file>
+
+<file path=ppt/slides/slide6.xml><?xml version="1.0" encoding="utf-8"?>
+<p:sld xmlns:a="http://schemas.openxmlformats.org/drawingml/2006/main" xmlns:r="http://schemas.openxmlformats.org/officeDocument/2006/relationships" xmlns:p="http://schemas.openxmlformats.org/presentationml/2006/main">
+  <p:cSld>
+    <p:spTree>
+      <p:nvGrpSpPr>
+        <p:cNvPr id="1" name=""/>
+        <p:cNvGrpSpPr/>
+        <p:nvPr/>
+      </p:nvGrpSpPr>
+      <p:grpSpPr>
+        <a:xfrm>
+          <a:off x="0" y="0"/>
+          <a:ext cx="0" cy="0"/>
+          <a:chOff x="0" y="0"/>
+          <a:chExt cx="0" cy="0"/>
+        </a:xfrm>
+      </p:grpSpPr>
+      <p:sp>
+        <p:nvSpPr>
+          <p:cNvPr id="2" name="内容占位符 1">
+            <a:extLst>
+              <a:ext uri="{FF2B5EF4-FFF2-40B4-BE49-F238E27FC236}">
                 <a16:creationId xmlns:a16="http://schemas.microsoft.com/office/drawing/2014/main" id="{0C8455E1-382F-41F7-9174-F05FAB8CA6C7}"/>
               </a:ext>
             </a:extLst>
@@ -18011,7 +18577,92 @@
           <a:bodyPr/>
           <a:lstStyle/>
           <a:p>
-            <a:endParaRPr lang="de-DE"/>
+            <a:pPr>
+              <a:spcBef>
+                <a:spcPts val="1200"/>
+              </a:spcBef>
+            </a:pPr>
+            <a:r>
+              <a:rPr lang="de-DE" dirty="0"/>
+              <a:t>Die </a:t>
+            </a:r>
+            <a:r>
+              <a:rPr lang="de-DE" dirty="0" err="1"/>
+              <a:t>Verilog</a:t>
+            </a:r>
+            <a:r>
+              <a:rPr lang="de-DE" dirty="0"/>
+              <a:t> Datei habe ich durch VTR Projekt in der BLIF Datei umgewandelt. </a:t>
+            </a:r>
+          </a:p>
+          <a:p>
+            <a:pPr>
+              <a:spcBef>
+                <a:spcPts val="1200"/>
+              </a:spcBef>
+            </a:pPr>
+            <a:r>
+              <a:rPr lang="de-DE" dirty="0"/>
+              <a:t>Jetzt suche ich noch einen Methode, um diese Modul in andere BLIF Datei zu ersetzen.</a:t>
+            </a:r>
+          </a:p>
+          <a:p>
+            <a:pPr>
+              <a:spcBef>
+                <a:spcPts val="1200"/>
+              </a:spcBef>
+            </a:pPr>
+            <a:r>
+              <a:rPr lang="de-DE" dirty="0"/>
+              <a:t>Fragen:</a:t>
+            </a:r>
+          </a:p>
+          <a:p>
+            <a:pPr lvl="1">
+              <a:spcBef>
+                <a:spcPts val="1200"/>
+              </a:spcBef>
+            </a:pPr>
+            <a:r>
+              <a:rPr lang="de-DE" dirty="0"/>
+              <a:t>Gibt es schon einen Package um </a:t>
+            </a:r>
+          </a:p>
+          <a:p>
+            <a:pPr marL="355579" lvl="1" indent="0">
+              <a:spcBef>
+                <a:spcPts val="1200"/>
+              </a:spcBef>
+              <a:buNone/>
+            </a:pPr>
+            <a:r>
+              <a:rPr lang="de-DE" dirty="0"/>
+              <a:t>   BLIF Datei einfach zu bearbeiten </a:t>
+            </a:r>
+          </a:p>
+          <a:p>
+            <a:pPr marL="355579" lvl="1" indent="0">
+              <a:spcBef>
+                <a:spcPts val="1200"/>
+              </a:spcBef>
+              <a:buNone/>
+            </a:pPr>
+            <a:r>
+              <a:rPr lang="de-DE" dirty="0"/>
+              <a:t>   oder das müssen wir selbst </a:t>
+            </a:r>
+          </a:p>
+          <a:p>
+            <a:pPr marL="355579" lvl="1" indent="0">
+              <a:spcBef>
+                <a:spcPts val="1200"/>
+              </a:spcBef>
+              <a:buNone/>
+            </a:pPr>
+            <a:r>
+              <a:rPr lang="de-DE" dirty="0"/>
+              <a:t>   konfigurieren? </a:t>
+            </a:r>
           </a:p>
         </p:txBody>
       </p:sp>
@@ -18067,7 +18718,7 @@
           <a:p>
             <a:fld id="{61696EC4-B4CF-4701-AD06-A8439D6D8E12}" type="slidenum">
               <a:rPr lang="en-US" noProof="0" smtClean="0"/>
-              <a:t>5</a:t>
+              <a:t>6</a:t>
             </a:fld>
             <a:endParaRPr lang="en-US" noProof="0"/>
           </a:p>
@@ -18101,6 +18752,42 @@
           </a:p>
         </p:txBody>
       </p:sp>
+      <p:pic>
+        <p:nvPicPr>
+          <p:cNvPr id="7" name="图片 6" descr="图形用户界面, 文本, 应用程序&#10;&#10;描述已自动生成">
+            <a:extLst>
+              <a:ext uri="{FF2B5EF4-FFF2-40B4-BE49-F238E27FC236}">
+                <a16:creationId xmlns:a16="http://schemas.microsoft.com/office/drawing/2014/main" id="{CD6C84AC-13FD-442F-98E6-9BDB5BF12170}"/>
+              </a:ext>
+            </a:extLst>
+          </p:cNvPr>
+          <p:cNvPicPr>
+            <a:picLocks noChangeAspect="1"/>
+          </p:cNvPicPr>
+          <p:nvPr/>
+        </p:nvPicPr>
+        <p:blipFill>
+          <a:blip r:embed="rId2">
+            <a:extLst>
+              <a:ext uri="{28A0092B-C50C-407E-A947-70E740481C1C}">
+                <a14:useLocalDpi xmlns:a14="http://schemas.microsoft.com/office/drawing/2010/main" val="0"/>
+              </a:ext>
+            </a:extLst>
+          </a:blip>
+          <a:stretch>
+            <a:fillRect/>
+          </a:stretch>
+        </p:blipFill>
+        <p:spPr>
+          <a:xfrm>
+            <a:off x="5715907" y="3998204"/>
+            <a:ext cx="6188093" cy="2201693"/>
+          </a:xfrm>
+          <a:prstGeom prst="rect">
+            <a:avLst/>
+          </a:prstGeom>
+        </p:spPr>
+      </p:pic>
     </p:spTree>
     <p:extLst>
       <p:ext uri="{BB962C8B-B14F-4D97-AF65-F5344CB8AC3E}">
